--- a/Formatted Slides/Module0_Video2.pptx
+++ b/Formatted Slides/Module0_Video2.pptx
@@ -5,38 +5,49 @@
     <p:sldMasterId id="2147483660" r:id="rId1"/>
   </p:sldMasterIdLst>
   <p:notesMasterIdLst>
-    <p:notesMasterId r:id="rId7"/>
+    <p:notesMasterId r:id="rId13"/>
   </p:notesMasterIdLst>
   <p:sldIdLst>
     <p:sldId id="452" r:id="rId2"/>
     <p:sldId id="453" r:id="rId3"/>
     <p:sldId id="455" r:id="rId4"/>
-    <p:sldId id="454" r:id="rId5"/>
-    <p:sldId id="444" r:id="rId6"/>
+    <p:sldId id="456" r:id="rId5"/>
+    <p:sldId id="457" r:id="rId6"/>
+    <p:sldId id="458" r:id="rId7"/>
+    <p:sldId id="461" r:id="rId8"/>
+    <p:sldId id="459" r:id="rId9"/>
+    <p:sldId id="460" r:id="rId10"/>
+    <p:sldId id="454" r:id="rId11"/>
+    <p:sldId id="444" r:id="rId12"/>
   </p:sldIdLst>
   <p:sldSz cx="24384000" cy="13716000"/>
   <p:notesSz cx="6858000" cy="9144000"/>
   <p:embeddedFontLst>
     <p:embeddedFont>
       <p:font typeface="Calibri" panose="020F0502020204030204" pitchFamily="34" charset="0"/>
-      <p:regular r:id="rId8"/>
-      <p:bold r:id="rId9"/>
-      <p:italic r:id="rId10"/>
-      <p:boldItalic r:id="rId11"/>
+      <p:regular r:id="rId14"/>
+      <p:bold r:id="rId15"/>
+      <p:italic r:id="rId16"/>
+      <p:boldItalic r:id="rId17"/>
     </p:embeddedFont>
     <p:embeddedFont>
       <p:font typeface="Nunito Sans" pitchFamily="2" charset="0"/>
-      <p:regular r:id="rId12"/>
-      <p:bold r:id="rId13"/>
-      <p:italic r:id="rId14"/>
-      <p:boldItalic r:id="rId15"/>
+      <p:regular r:id="rId18"/>
+      <p:bold r:id="rId19"/>
+      <p:italic r:id="rId20"/>
+      <p:boldItalic r:id="rId21"/>
     </p:embeddedFont>
     <p:embeddedFont>
       <p:font typeface="Nunito Sans SemiBold" pitchFamily="2" charset="0"/>
-      <p:regular r:id="rId16"/>
-      <p:bold r:id="rId17"/>
-      <p:italic r:id="rId18"/>
-      <p:boldItalic r:id="rId19"/>
+      <p:regular r:id="rId22"/>
+      <p:bold r:id="rId23"/>
+      <p:italic r:id="rId24"/>
+      <p:boldItalic r:id="rId25"/>
+    </p:embeddedFont>
+    <p:embeddedFont>
+      <p:font typeface="Open Sans Semibold" panose="020B0706030804020204" pitchFamily="34" charset="0"/>
+      <p:bold r:id="rId26"/>
+      <p:boldItalic r:id="rId27"/>
     </p:embeddedFont>
   </p:embeddedFontLst>
   <p:defaultTextStyle>
@@ -224,7 +235,7 @@
           <a:p>
             <a:fld id="{A1994904-53C7-FE4A-A4F3-9371B9AA3FA4}" type="datetimeFigureOut">
               <a:rPr lang="en-US" smtClean="0"/>
-              <a:t>7/3/2023</a:t>
+              <a:t>7/10/2023</a:t>
             </a:fld>
             <a:endParaRPr lang="en-US"/>
           </a:p>
@@ -640,7 +651,7 @@
           <a:p>
             <a:fld id="{D343CE2E-3DB2-2543-A1CC-255A6E8F42E8}" type="slidenum">
               <a:rPr lang="en-US" smtClean="0"/>
-              <a:t>5</a:t>
+              <a:t>11</a:t>
             </a:fld>
             <a:endParaRPr lang="en-US"/>
           </a:p>
@@ -4143,6 +4154,988 @@
 </p:sld>
 </file>
 
+<file path=ppt/slides/slide10.xml><?xml version="1.0" encoding="utf-8"?>
+<p:sld xmlns:a="http://schemas.openxmlformats.org/drawingml/2006/main" xmlns:r="http://schemas.openxmlformats.org/officeDocument/2006/relationships" xmlns:p="http://schemas.openxmlformats.org/presentationml/2006/main">
+  <p:cSld>
+    <p:spTree>
+      <p:nvGrpSpPr>
+        <p:cNvPr id="1" name=""/>
+        <p:cNvGrpSpPr/>
+        <p:nvPr/>
+      </p:nvGrpSpPr>
+      <p:grpSpPr>
+        <a:xfrm>
+          <a:off x="0" y="0"/>
+          <a:ext cx="0" cy="0"/>
+          <a:chOff x="0" y="0"/>
+          <a:chExt cx="0" cy="0"/>
+        </a:xfrm>
+      </p:grpSpPr>
+      <p:sp>
+        <p:nvSpPr>
+          <p:cNvPr id="2" name="Title 1">
+            <a:extLst>
+              <a:ext uri="{FF2B5EF4-FFF2-40B4-BE49-F238E27FC236}">
+                <a16:creationId xmlns:a16="http://schemas.microsoft.com/office/drawing/2014/main" id="{4E2DADBF-CA09-C981-2502-5CAC9C9790D2}"/>
+              </a:ext>
+            </a:extLst>
+          </p:cNvPr>
+          <p:cNvSpPr>
+            <a:spLocks noGrp="1"/>
+          </p:cNvSpPr>
+          <p:nvPr>
+            <p:ph type="title"/>
+          </p:nvPr>
+        </p:nvSpPr>
+        <p:spPr/>
+        <p:txBody>
+          <a:bodyPr/>
+          <a:lstStyle/>
+          <a:p>
+            <a:r>
+              <a:rPr lang="en-US" dirty="0"/>
+              <a:t>WHAT’S NEXT?</a:t>
+            </a:r>
+          </a:p>
+        </p:txBody>
+      </p:sp>
+      <p:sp>
+        <p:nvSpPr>
+          <p:cNvPr id="3" name="Text Placeholder 2">
+            <a:extLst>
+              <a:ext uri="{FF2B5EF4-FFF2-40B4-BE49-F238E27FC236}">
+                <a16:creationId xmlns:a16="http://schemas.microsoft.com/office/drawing/2014/main" id="{DFF5793A-E56C-7109-B68E-491C3D23ED80}"/>
+              </a:ext>
+            </a:extLst>
+          </p:cNvPr>
+          <p:cNvSpPr>
+            <a:spLocks noGrp="1"/>
+          </p:cNvSpPr>
+          <p:nvPr>
+            <p:ph type="body" sz="quarter" idx="10"/>
+          </p:nvPr>
+        </p:nvSpPr>
+        <p:spPr>
+          <a:xfrm>
+            <a:off x="3048000" y="3530599"/>
+            <a:ext cx="18288000" cy="7196015"/>
+          </a:xfrm>
+        </p:spPr>
+        <p:txBody>
+          <a:bodyPr/>
+          <a:lstStyle/>
+          <a:p>
+            <a:pPr marL="457200" indent="-457200">
+              <a:buFont typeface="Arial" panose="020B0604020202020204" pitchFamily="34" charset="0"/>
+              <a:buChar char="•"/>
+            </a:pPr>
+            <a:r>
+              <a:rPr lang="en-US" sz="4000" dirty="0"/>
+              <a:t>In the next video we will start module 1, which focuses on data acquisition and cleaning.</a:t>
+            </a:r>
+          </a:p>
+          <a:p>
+            <a:pPr marL="457200" indent="-457200">
+              <a:buFont typeface="Arial" panose="020B0604020202020204" pitchFamily="34" charset="0"/>
+              <a:buChar char="•"/>
+            </a:pPr>
+            <a:r>
+              <a:rPr lang="en-US" sz="4000" dirty="0"/>
+              <a:t>PRACTICE: Try to download CSVs of the directories of emergency rooms and treatment facilities (we will download the others together later).  Open the CSVs in Excel and explore the column names.  Is there any excess information we will not need for our dashboard?</a:t>
+            </a:r>
+          </a:p>
+        </p:txBody>
+      </p:sp>
+    </p:spTree>
+    <p:extLst>
+      <p:ext uri="{BB962C8B-B14F-4D97-AF65-F5344CB8AC3E}">
+        <p14:creationId xmlns:p14="http://schemas.microsoft.com/office/powerpoint/2010/main" val="4033334402"/>
+      </p:ext>
+    </p:extLst>
+  </p:cSld>
+  <p:clrMapOvr>
+    <a:masterClrMapping/>
+  </p:clrMapOvr>
+</p:sld>
+</file>
+
+<file path=ppt/slides/slide11.xml><?xml version="1.0" encoding="utf-8"?>
+<p:sld xmlns:a="http://schemas.openxmlformats.org/drawingml/2006/main" xmlns:r="http://schemas.openxmlformats.org/officeDocument/2006/relationships" xmlns:p="http://schemas.openxmlformats.org/presentationml/2006/main">
+  <p:cSld>
+    <p:bg>
+      <p:bgPr>
+        <a:solidFill>
+          <a:schemeClr val="bg1"/>
+        </a:solidFill>
+        <a:effectLst/>
+      </p:bgPr>
+    </p:bg>
+    <p:spTree>
+      <p:nvGrpSpPr>
+        <p:cNvPr id="1" name=""/>
+        <p:cNvGrpSpPr/>
+        <p:nvPr/>
+      </p:nvGrpSpPr>
+      <p:grpSpPr>
+        <a:xfrm>
+          <a:off x="0" y="0"/>
+          <a:ext cx="0" cy="0"/>
+          <a:chOff x="0" y="0"/>
+          <a:chExt cx="0" cy="0"/>
+        </a:xfrm>
+      </p:grpSpPr>
+      <p:sp>
+        <p:nvSpPr>
+          <p:cNvPr id="21" name="Title 20">
+            <a:extLst>
+              <a:ext uri="{FF2B5EF4-FFF2-40B4-BE49-F238E27FC236}">
+                <a16:creationId xmlns:a16="http://schemas.microsoft.com/office/drawing/2014/main" id="{BAB96198-63BA-B44D-A753-910F5F587207}"/>
+              </a:ext>
+            </a:extLst>
+          </p:cNvPr>
+          <p:cNvSpPr>
+            <a:spLocks noGrp="1"/>
+          </p:cNvSpPr>
+          <p:nvPr>
+            <p:ph type="title"/>
+          </p:nvPr>
+        </p:nvSpPr>
+        <p:spPr/>
+        <p:txBody>
+          <a:bodyPr/>
+          <a:lstStyle/>
+          <a:p>
+            <a:r>
+              <a:rPr lang="en-US" dirty="0"/>
+              <a:t>FOLLOW US</a:t>
+            </a:r>
+          </a:p>
+        </p:txBody>
+      </p:sp>
+      <p:sp>
+        <p:nvSpPr>
+          <p:cNvPr id="17" name="Oval 16">
+            <a:extLst>
+              <a:ext uri="{FF2B5EF4-FFF2-40B4-BE49-F238E27FC236}">
+                <a16:creationId xmlns:a16="http://schemas.microsoft.com/office/drawing/2014/main" id="{FE5ACFE6-65B1-6042-AA07-B1444C2E767E}"/>
+              </a:ext>
+              <a:ext uri="{C183D7F6-B498-43B3-948B-1728B52AA6E4}">
+                <adec:decorative xmlns:adec="http://schemas.microsoft.com/office/drawing/2017/decorative" val="0"/>
+              </a:ext>
+            </a:extLst>
+          </p:cNvPr>
+          <p:cNvSpPr/>
+          <p:nvPr/>
+        </p:nvSpPr>
+        <p:spPr>
+          <a:xfrm>
+            <a:off x="5325485" y="3315590"/>
+            <a:ext cx="2103119" cy="2103120"/>
+          </a:xfrm>
+          <a:prstGeom prst="ellipse">
+            <a:avLst/>
+          </a:prstGeom>
+          <a:noFill/>
+          <a:ln w="38100">
+            <a:solidFill>
+              <a:srgbClr val="64BFEC"/>
+            </a:solidFill>
+          </a:ln>
+        </p:spPr>
+        <p:style>
+          <a:lnRef idx="2">
+            <a:schemeClr val="accent1">
+              <a:shade val="50000"/>
+            </a:schemeClr>
+          </a:lnRef>
+          <a:fillRef idx="1">
+            <a:schemeClr val="accent1"/>
+          </a:fillRef>
+          <a:effectRef idx="0">
+            <a:schemeClr val="accent1"/>
+          </a:effectRef>
+          <a:fontRef idx="minor">
+            <a:schemeClr val="lt1"/>
+          </a:fontRef>
+        </p:style>
+        <p:txBody>
+          <a:bodyPr rtlCol="0" anchor="ctr"/>
+          <a:lstStyle/>
+          <a:p>
+            <a:pPr algn="ctr"/>
+            <a:endParaRPr lang="tr-TR"/>
+          </a:p>
+        </p:txBody>
+      </p:sp>
+      <p:sp>
+        <p:nvSpPr>
+          <p:cNvPr id="44" name="TextBox 43">
+            <a:extLst>
+              <a:ext uri="{FF2B5EF4-FFF2-40B4-BE49-F238E27FC236}">
+                <a16:creationId xmlns:a16="http://schemas.microsoft.com/office/drawing/2014/main" id="{4350A713-0FB0-F444-906A-35898174E2F3}"/>
+              </a:ext>
+            </a:extLst>
+          </p:cNvPr>
+          <p:cNvSpPr txBox="1"/>
+          <p:nvPr/>
+        </p:nvSpPr>
+        <p:spPr>
+          <a:xfrm>
+            <a:off x="4162477" y="5960804"/>
+            <a:ext cx="4639450" cy="461665"/>
+          </a:xfrm>
+          <a:prstGeom prst="rect">
+            <a:avLst/>
+          </a:prstGeom>
+          <a:noFill/>
+        </p:spPr>
+        <p:txBody>
+          <a:bodyPr wrap="square" rtlCol="0">
+            <a:spAutoFit/>
+          </a:bodyPr>
+          <a:lstStyle/>
+          <a:p>
+            <a:pPr algn="ctr"/>
+            <a:r>
+              <a:rPr lang="tr-TR" sz="2400" dirty="0">
+                <a:solidFill>
+                  <a:schemeClr val="tx1">
+                    <a:lumMod val="75000"/>
+                    <a:lumOff val="25000"/>
+                  </a:schemeClr>
+                </a:solidFill>
+                <a:latin typeface="Nunito Sans" pitchFamily="2" charset="77"/>
+                <a:ea typeface="Open Sans" panose="020B0606030504020204" pitchFamily="34" charset="0"/>
+                <a:cs typeface="Open Sans" panose="020B0606030504020204" pitchFamily="34" charset="0"/>
+                <a:hlinkClick r:id="rId3"/>
+              </a:rPr>
+              <a:t>https://twitter.com/txst_thr</a:t>
+            </a:r>
+            <a:r>
+              <a:rPr lang="en-US" sz="2400" dirty="0">
+                <a:solidFill>
+                  <a:schemeClr val="tx1">
+                    <a:lumMod val="75000"/>
+                    <a:lumOff val="25000"/>
+                  </a:schemeClr>
+                </a:solidFill>
+                <a:latin typeface="Nunito Sans" pitchFamily="2" charset="77"/>
+                <a:ea typeface="Open Sans" panose="020B0606030504020204" pitchFamily="34" charset="0"/>
+                <a:cs typeface="Open Sans" panose="020B0606030504020204" pitchFamily="34" charset="0"/>
+              </a:rPr>
+              <a:t> </a:t>
+            </a:r>
+            <a:endParaRPr lang="tr-TR" sz="2400" dirty="0">
+              <a:solidFill>
+                <a:schemeClr val="tx1">
+                  <a:lumMod val="75000"/>
+                  <a:lumOff val="25000"/>
+                </a:schemeClr>
+              </a:solidFill>
+              <a:latin typeface="Nunito Sans" pitchFamily="2" charset="77"/>
+              <a:ea typeface="Open Sans" panose="020B0606030504020204" pitchFamily="34" charset="0"/>
+              <a:cs typeface="Open Sans" panose="020B0606030504020204" pitchFamily="34" charset="0"/>
+            </a:endParaRPr>
+          </a:p>
+        </p:txBody>
+      </p:sp>
+      <p:sp>
+        <p:nvSpPr>
+          <p:cNvPr id="19" name="Oval 18">
+            <a:extLst>
+              <a:ext uri="{FF2B5EF4-FFF2-40B4-BE49-F238E27FC236}">
+                <a16:creationId xmlns:a16="http://schemas.microsoft.com/office/drawing/2014/main" id="{369F3ED0-D89F-8D42-B683-9AF20F48C112}"/>
+              </a:ext>
+              <a:ext uri="{C183D7F6-B498-43B3-948B-1728B52AA6E4}">
+                <adec:decorative xmlns:adec="http://schemas.microsoft.com/office/drawing/2017/decorative" val="0"/>
+              </a:ext>
+            </a:extLst>
+          </p:cNvPr>
+          <p:cNvSpPr/>
+          <p:nvPr/>
+        </p:nvSpPr>
+        <p:spPr>
+          <a:xfrm>
+            <a:off x="11326437" y="3371966"/>
+            <a:ext cx="2103120" cy="2103120"/>
+          </a:xfrm>
+          <a:prstGeom prst="ellipse">
+            <a:avLst/>
+          </a:prstGeom>
+          <a:noFill/>
+          <a:ln w="38100">
+            <a:solidFill>
+              <a:srgbClr val="3B8686"/>
+            </a:solidFill>
+          </a:ln>
+        </p:spPr>
+        <p:style>
+          <a:lnRef idx="2">
+            <a:schemeClr val="accent1">
+              <a:shade val="50000"/>
+            </a:schemeClr>
+          </a:lnRef>
+          <a:fillRef idx="1">
+            <a:schemeClr val="accent1"/>
+          </a:fillRef>
+          <a:effectRef idx="0">
+            <a:schemeClr val="accent1"/>
+          </a:effectRef>
+          <a:fontRef idx="minor">
+            <a:schemeClr val="lt1"/>
+          </a:fontRef>
+        </p:style>
+        <p:txBody>
+          <a:bodyPr rtlCol="0" anchor="ctr"/>
+          <a:lstStyle/>
+          <a:p>
+            <a:pPr algn="ctr"/>
+            <a:endParaRPr lang="tr-TR"/>
+          </a:p>
+        </p:txBody>
+      </p:sp>
+      <p:sp>
+        <p:nvSpPr>
+          <p:cNvPr id="41" name="TextBox 40">
+            <a:extLst>
+              <a:ext uri="{FF2B5EF4-FFF2-40B4-BE49-F238E27FC236}">
+                <a16:creationId xmlns:a16="http://schemas.microsoft.com/office/drawing/2014/main" id="{ACF71257-8C07-E244-946D-FFBB011991DF}"/>
+              </a:ext>
+            </a:extLst>
+          </p:cNvPr>
+          <p:cNvSpPr txBox="1"/>
+          <p:nvPr/>
+        </p:nvSpPr>
+        <p:spPr>
+          <a:xfrm>
+            <a:off x="10077745" y="5960804"/>
+            <a:ext cx="4600505" cy="461665"/>
+          </a:xfrm>
+          <a:prstGeom prst="rect">
+            <a:avLst/>
+          </a:prstGeom>
+          <a:noFill/>
+        </p:spPr>
+        <p:txBody>
+          <a:bodyPr wrap="square" rtlCol="0">
+            <a:spAutoFit/>
+          </a:bodyPr>
+          <a:lstStyle/>
+          <a:p>
+            <a:pPr algn="ctr"/>
+            <a:r>
+              <a:rPr lang="tr-TR" sz="2400" dirty="0">
+                <a:solidFill>
+                  <a:schemeClr val="tx1">
+                    <a:lumMod val="75000"/>
+                    <a:lumOff val="25000"/>
+                  </a:schemeClr>
+                </a:solidFill>
+                <a:latin typeface="Nunito Sans" pitchFamily="2" charset="77"/>
+                <a:ea typeface="Open Sans" panose="020B0606030504020204" pitchFamily="34" charset="0"/>
+                <a:cs typeface="Open Sans" panose="020B0606030504020204" pitchFamily="34" charset="0"/>
+                <a:hlinkClick r:id="rId4"/>
+              </a:rPr>
+              <a:t>https://healthresearch.txst.edu/</a:t>
+            </a:r>
+            <a:r>
+              <a:rPr lang="en-US" sz="2400" dirty="0">
+                <a:solidFill>
+                  <a:schemeClr val="tx1">
+                    <a:lumMod val="75000"/>
+                    <a:lumOff val="25000"/>
+                  </a:schemeClr>
+                </a:solidFill>
+                <a:latin typeface="Nunito Sans" pitchFamily="2" charset="77"/>
+                <a:ea typeface="Open Sans" panose="020B0606030504020204" pitchFamily="34" charset="0"/>
+                <a:cs typeface="Open Sans" panose="020B0606030504020204" pitchFamily="34" charset="0"/>
+              </a:rPr>
+              <a:t> </a:t>
+            </a:r>
+            <a:endParaRPr lang="tr-TR" sz="2400" dirty="0">
+              <a:solidFill>
+                <a:schemeClr val="tx1">
+                  <a:lumMod val="75000"/>
+                  <a:lumOff val="25000"/>
+                </a:schemeClr>
+              </a:solidFill>
+              <a:latin typeface="Nunito Sans" pitchFamily="2" charset="77"/>
+              <a:ea typeface="Open Sans" panose="020B0606030504020204" pitchFamily="34" charset="0"/>
+              <a:cs typeface="Open Sans" panose="020B0606030504020204" pitchFamily="34" charset="0"/>
+            </a:endParaRPr>
+          </a:p>
+        </p:txBody>
+      </p:sp>
+      <p:sp>
+        <p:nvSpPr>
+          <p:cNvPr id="15" name="Oval 14">
+            <a:extLst>
+              <a:ext uri="{FF2B5EF4-FFF2-40B4-BE49-F238E27FC236}">
+                <a16:creationId xmlns:a16="http://schemas.microsoft.com/office/drawing/2014/main" id="{7461D83F-F181-B947-B59F-18A0DB81AC90}"/>
+              </a:ext>
+              <a:ext uri="{C183D7F6-B498-43B3-948B-1728B52AA6E4}">
+                <adec:decorative xmlns:adec="http://schemas.microsoft.com/office/drawing/2017/decorative" val="0"/>
+              </a:ext>
+            </a:extLst>
+          </p:cNvPr>
+          <p:cNvSpPr/>
+          <p:nvPr/>
+        </p:nvSpPr>
+        <p:spPr>
+          <a:xfrm>
+            <a:off x="16955393" y="3371966"/>
+            <a:ext cx="2103120" cy="2103120"/>
+          </a:xfrm>
+          <a:prstGeom prst="ellipse">
+            <a:avLst/>
+          </a:prstGeom>
+          <a:noFill/>
+          <a:ln w="38100">
+            <a:solidFill>
+              <a:srgbClr val="0B486B"/>
+            </a:solidFill>
+          </a:ln>
+        </p:spPr>
+        <p:style>
+          <a:lnRef idx="2">
+            <a:schemeClr val="accent1">
+              <a:shade val="50000"/>
+            </a:schemeClr>
+          </a:lnRef>
+          <a:fillRef idx="1">
+            <a:schemeClr val="accent1"/>
+          </a:fillRef>
+          <a:effectRef idx="0">
+            <a:schemeClr val="accent1"/>
+          </a:effectRef>
+          <a:fontRef idx="minor">
+            <a:schemeClr val="lt1"/>
+          </a:fontRef>
+        </p:style>
+        <p:txBody>
+          <a:bodyPr rtlCol="0" anchor="ctr"/>
+          <a:lstStyle/>
+          <a:p>
+            <a:pPr algn="ctr"/>
+            <a:endParaRPr lang="tr-TR"/>
+          </a:p>
+        </p:txBody>
+      </p:sp>
+      <p:sp>
+        <p:nvSpPr>
+          <p:cNvPr id="40" name="TextBox 39">
+            <a:extLst>
+              <a:ext uri="{FF2B5EF4-FFF2-40B4-BE49-F238E27FC236}">
+                <a16:creationId xmlns:a16="http://schemas.microsoft.com/office/drawing/2014/main" id="{DFFD99F1-15F0-2840-8E7C-2494738026C3}"/>
+              </a:ext>
+            </a:extLst>
+          </p:cNvPr>
+          <p:cNvSpPr txBox="1"/>
+          <p:nvPr/>
+        </p:nvSpPr>
+        <p:spPr>
+          <a:xfrm>
+            <a:off x="16067870" y="5591473"/>
+            <a:ext cx="3764146" cy="1200329"/>
+          </a:xfrm>
+          <a:prstGeom prst="rect">
+            <a:avLst/>
+          </a:prstGeom>
+          <a:noFill/>
+        </p:spPr>
+        <p:txBody>
+          <a:bodyPr wrap="square" rtlCol="0">
+            <a:spAutoFit/>
+          </a:bodyPr>
+          <a:lstStyle/>
+          <a:p>
+            <a:pPr algn="ctr"/>
+            <a:r>
+              <a:rPr lang="tr-TR" sz="2400" dirty="0">
+                <a:solidFill>
+                  <a:schemeClr val="tx1">
+                    <a:lumMod val="75000"/>
+                    <a:lumOff val="25000"/>
+                  </a:schemeClr>
+                </a:solidFill>
+                <a:latin typeface="Nunito Sans" pitchFamily="2" charset="77"/>
+                <a:ea typeface="Open Sans" panose="020B0606030504020204" pitchFamily="34" charset="0"/>
+                <a:cs typeface="Open Sans" panose="020B0606030504020204" pitchFamily="34" charset="0"/>
+                <a:hlinkClick r:id="rId5"/>
+              </a:rPr>
+              <a:t>https://public.tableau.com/app/profile/translational.health.research.center</a:t>
+            </a:r>
+            <a:r>
+              <a:rPr lang="en-US" sz="2400" dirty="0">
+                <a:solidFill>
+                  <a:schemeClr val="tx1">
+                    <a:lumMod val="75000"/>
+                    <a:lumOff val="25000"/>
+                  </a:schemeClr>
+                </a:solidFill>
+                <a:latin typeface="Nunito Sans" pitchFamily="2" charset="77"/>
+                <a:ea typeface="Open Sans" panose="020B0606030504020204" pitchFamily="34" charset="0"/>
+                <a:cs typeface="Open Sans" panose="020B0606030504020204" pitchFamily="34" charset="0"/>
+              </a:rPr>
+              <a:t> </a:t>
+            </a:r>
+            <a:endParaRPr lang="tr-TR" sz="2400" dirty="0">
+              <a:solidFill>
+                <a:schemeClr val="tx1">
+                  <a:lumMod val="75000"/>
+                  <a:lumOff val="25000"/>
+                </a:schemeClr>
+              </a:solidFill>
+              <a:latin typeface="Nunito Sans" pitchFamily="2" charset="77"/>
+              <a:ea typeface="Open Sans" panose="020B0606030504020204" pitchFamily="34" charset="0"/>
+              <a:cs typeface="Open Sans" panose="020B0606030504020204" pitchFamily="34" charset="0"/>
+            </a:endParaRPr>
+          </a:p>
+        </p:txBody>
+      </p:sp>
+      <p:sp>
+        <p:nvSpPr>
+          <p:cNvPr id="36" name="Oval 35">
+            <a:extLst>
+              <a:ext uri="{FF2B5EF4-FFF2-40B4-BE49-F238E27FC236}">
+                <a16:creationId xmlns:a16="http://schemas.microsoft.com/office/drawing/2014/main" id="{CCB2E006-4FEE-F64F-B068-94E244020A02}"/>
+              </a:ext>
+              <a:ext uri="{C183D7F6-B498-43B3-948B-1728B52AA6E4}">
+                <adec:decorative xmlns:adec="http://schemas.microsoft.com/office/drawing/2017/decorative" val="0"/>
+              </a:ext>
+            </a:extLst>
+          </p:cNvPr>
+          <p:cNvSpPr/>
+          <p:nvPr/>
+        </p:nvSpPr>
+        <p:spPr>
+          <a:xfrm>
+            <a:off x="8320511" y="6964565"/>
+            <a:ext cx="2103120" cy="2103120"/>
+          </a:xfrm>
+          <a:prstGeom prst="ellipse">
+            <a:avLst/>
+          </a:prstGeom>
+          <a:noFill/>
+          <a:ln w="38100">
+            <a:solidFill>
+              <a:srgbClr val="64BFEC"/>
+            </a:solidFill>
+          </a:ln>
+        </p:spPr>
+        <p:style>
+          <a:lnRef idx="2">
+            <a:schemeClr val="accent1">
+              <a:shade val="50000"/>
+            </a:schemeClr>
+          </a:lnRef>
+          <a:fillRef idx="1">
+            <a:schemeClr val="accent1"/>
+          </a:fillRef>
+          <a:effectRef idx="0">
+            <a:schemeClr val="accent1"/>
+          </a:effectRef>
+          <a:fontRef idx="minor">
+            <a:schemeClr val="lt1"/>
+          </a:fontRef>
+        </p:style>
+        <p:txBody>
+          <a:bodyPr rtlCol="0" anchor="ctr"/>
+          <a:lstStyle/>
+          <a:p>
+            <a:pPr algn="ctr"/>
+            <a:endParaRPr lang="tr-TR"/>
+          </a:p>
+        </p:txBody>
+      </p:sp>
+      <p:sp>
+        <p:nvSpPr>
+          <p:cNvPr id="43" name="TextBox 42">
+            <a:extLst>
+              <a:ext uri="{FF2B5EF4-FFF2-40B4-BE49-F238E27FC236}">
+                <a16:creationId xmlns:a16="http://schemas.microsoft.com/office/drawing/2014/main" id="{6E551EFB-64D7-CC42-90A1-19E9BC6B7CC9}"/>
+              </a:ext>
+            </a:extLst>
+          </p:cNvPr>
+          <p:cNvSpPr txBox="1"/>
+          <p:nvPr/>
+        </p:nvSpPr>
+        <p:spPr>
+          <a:xfrm>
+            <a:off x="7466545" y="9327104"/>
+            <a:ext cx="3811055" cy="1569660"/>
+          </a:xfrm>
+          <a:prstGeom prst="rect">
+            <a:avLst/>
+          </a:prstGeom>
+          <a:noFill/>
+        </p:spPr>
+        <p:txBody>
+          <a:bodyPr wrap="square" rtlCol="0">
+            <a:spAutoFit/>
+          </a:bodyPr>
+          <a:lstStyle/>
+          <a:p>
+            <a:pPr algn="ctr"/>
+            <a:r>
+              <a:rPr lang="tr-TR" sz="2400" dirty="0">
+                <a:solidFill>
+                  <a:schemeClr val="tx1">
+                    <a:lumMod val="75000"/>
+                    <a:lumOff val="25000"/>
+                  </a:schemeClr>
+                </a:solidFill>
+                <a:latin typeface="Nunito Sans" pitchFamily="2" charset="77"/>
+                <a:ea typeface="Open Sans" panose="020B0606030504020204" pitchFamily="34" charset="0"/>
+                <a:cs typeface="Open Sans" panose="020B0606030504020204" pitchFamily="34" charset="0"/>
+                <a:hlinkClick r:id="rId6"/>
+              </a:rPr>
+              <a:t>https://www.linkedin.com/company/texas-state-university-translational-health-research/</a:t>
+            </a:r>
+            <a:r>
+              <a:rPr lang="en-US" sz="2400" dirty="0">
+                <a:solidFill>
+                  <a:schemeClr val="tx1">
+                    <a:lumMod val="75000"/>
+                    <a:lumOff val="25000"/>
+                  </a:schemeClr>
+                </a:solidFill>
+                <a:latin typeface="Nunito Sans" pitchFamily="2" charset="77"/>
+                <a:ea typeface="Open Sans" panose="020B0606030504020204" pitchFamily="34" charset="0"/>
+                <a:cs typeface="Open Sans" panose="020B0606030504020204" pitchFamily="34" charset="0"/>
+              </a:rPr>
+              <a:t> </a:t>
+            </a:r>
+            <a:endParaRPr lang="tr-TR" sz="2400" dirty="0">
+              <a:solidFill>
+                <a:schemeClr val="tx1">
+                  <a:lumMod val="75000"/>
+                  <a:lumOff val="25000"/>
+                </a:schemeClr>
+              </a:solidFill>
+              <a:latin typeface="Nunito Sans" pitchFamily="2" charset="77"/>
+              <a:ea typeface="Open Sans" panose="020B0606030504020204" pitchFamily="34" charset="0"/>
+              <a:cs typeface="Open Sans" panose="020B0606030504020204" pitchFamily="34" charset="0"/>
+            </a:endParaRPr>
+          </a:p>
+        </p:txBody>
+      </p:sp>
+      <p:sp>
+        <p:nvSpPr>
+          <p:cNvPr id="23" name="Oval 22">
+            <a:extLst>
+              <a:ext uri="{FF2B5EF4-FFF2-40B4-BE49-F238E27FC236}">
+                <a16:creationId xmlns:a16="http://schemas.microsoft.com/office/drawing/2014/main" id="{4C70CCEB-3194-324D-A7E1-5935D922DDF6}"/>
+              </a:ext>
+              <a:ext uri="{C183D7F6-B498-43B3-948B-1728B52AA6E4}">
+                <adec:decorative xmlns:adec="http://schemas.microsoft.com/office/drawing/2017/decorative" val="0"/>
+              </a:ext>
+            </a:extLst>
+          </p:cNvPr>
+          <p:cNvSpPr>
+            <a:spLocks noChangeAspect="1"/>
+          </p:cNvSpPr>
+          <p:nvPr/>
+        </p:nvSpPr>
+        <p:spPr>
+          <a:xfrm>
+            <a:off x="14221372" y="6964565"/>
+            <a:ext cx="2103120" cy="2103120"/>
+          </a:xfrm>
+          <a:prstGeom prst="ellipse">
+            <a:avLst/>
+          </a:prstGeom>
+          <a:noFill/>
+          <a:ln w="38100">
+            <a:solidFill>
+              <a:srgbClr val="DA3248"/>
+            </a:solidFill>
+          </a:ln>
+        </p:spPr>
+        <p:style>
+          <a:lnRef idx="2">
+            <a:schemeClr val="accent1">
+              <a:shade val="50000"/>
+            </a:schemeClr>
+          </a:lnRef>
+          <a:fillRef idx="1">
+            <a:schemeClr val="accent1"/>
+          </a:fillRef>
+          <a:effectRef idx="0">
+            <a:schemeClr val="accent1"/>
+          </a:effectRef>
+          <a:fontRef idx="minor">
+            <a:schemeClr val="lt1"/>
+          </a:fontRef>
+        </p:style>
+        <p:txBody>
+          <a:bodyPr rtlCol="0" anchor="ctr"/>
+          <a:lstStyle/>
+          <a:p>
+            <a:pPr algn="ctr"/>
+            <a:endParaRPr lang="tr-TR"/>
+          </a:p>
+        </p:txBody>
+      </p:sp>
+      <p:sp>
+        <p:nvSpPr>
+          <p:cNvPr id="42" name="TextBox 41">
+            <a:extLst>
+              <a:ext uri="{FF2B5EF4-FFF2-40B4-BE49-F238E27FC236}">
+                <a16:creationId xmlns:a16="http://schemas.microsoft.com/office/drawing/2014/main" id="{BEA21D58-FCF3-BE4B-A946-6524F99C0C77}"/>
+              </a:ext>
+            </a:extLst>
+          </p:cNvPr>
+          <p:cNvSpPr txBox="1"/>
+          <p:nvPr/>
+        </p:nvSpPr>
+        <p:spPr>
+          <a:xfrm>
+            <a:off x="13277058" y="9696435"/>
+            <a:ext cx="3991749" cy="830997"/>
+          </a:xfrm>
+          <a:prstGeom prst="rect">
+            <a:avLst/>
+          </a:prstGeom>
+          <a:noFill/>
+        </p:spPr>
+        <p:txBody>
+          <a:bodyPr wrap="square" rtlCol="0">
+            <a:spAutoFit/>
+          </a:bodyPr>
+          <a:lstStyle/>
+          <a:p>
+            <a:pPr algn="ctr"/>
+            <a:r>
+              <a:rPr lang="tr-TR" sz="2400" dirty="0">
+                <a:solidFill>
+                  <a:schemeClr val="tx1">
+                    <a:lumMod val="75000"/>
+                    <a:lumOff val="25000"/>
+                  </a:schemeClr>
+                </a:solidFill>
+                <a:latin typeface="Nunito Sans" pitchFamily="2" charset="77"/>
+                <a:ea typeface="Open Sans" panose="020B0606030504020204" pitchFamily="34" charset="0"/>
+                <a:cs typeface="Open Sans" panose="020B0606030504020204" pitchFamily="34" charset="0"/>
+                <a:hlinkClick r:id="rId7"/>
+              </a:rPr>
+              <a:t>https://www.youtube.com/@txst_THR</a:t>
+            </a:r>
+            <a:r>
+              <a:rPr lang="en-US" sz="2400" dirty="0">
+                <a:solidFill>
+                  <a:schemeClr val="tx1">
+                    <a:lumMod val="75000"/>
+                    <a:lumOff val="25000"/>
+                  </a:schemeClr>
+                </a:solidFill>
+                <a:latin typeface="Nunito Sans" pitchFamily="2" charset="77"/>
+                <a:ea typeface="Open Sans" panose="020B0606030504020204" pitchFamily="34" charset="0"/>
+                <a:cs typeface="Open Sans" panose="020B0606030504020204" pitchFamily="34" charset="0"/>
+              </a:rPr>
+              <a:t> </a:t>
+            </a:r>
+            <a:endParaRPr lang="tr-TR" sz="2400" dirty="0">
+              <a:solidFill>
+                <a:schemeClr val="tx1">
+                  <a:lumMod val="75000"/>
+                  <a:lumOff val="25000"/>
+                </a:schemeClr>
+              </a:solidFill>
+              <a:latin typeface="Nunito Sans" pitchFamily="2" charset="77"/>
+              <a:ea typeface="Open Sans" panose="020B0606030504020204" pitchFamily="34" charset="0"/>
+              <a:cs typeface="Open Sans" panose="020B0606030504020204" pitchFamily="34" charset="0"/>
+            </a:endParaRPr>
+          </a:p>
+        </p:txBody>
+      </p:sp>
+      <p:pic>
+        <p:nvPicPr>
+          <p:cNvPr id="7" name="Picture 6">
+            <a:extLst>
+              <a:ext uri="{FF2B5EF4-FFF2-40B4-BE49-F238E27FC236}">
+                <a16:creationId xmlns:a16="http://schemas.microsoft.com/office/drawing/2014/main" id="{3CA5B934-A207-C08F-7708-52CE585A6796}"/>
+              </a:ext>
+            </a:extLst>
+          </p:cNvPr>
+          <p:cNvPicPr>
+            <a:picLocks noChangeAspect="1"/>
+          </p:cNvPicPr>
+          <p:nvPr/>
+        </p:nvPicPr>
+        <p:blipFill>
+          <a:blip r:embed="rId8"/>
+          <a:stretch>
+            <a:fillRect/>
+          </a:stretch>
+        </p:blipFill>
+        <p:spPr>
+          <a:xfrm>
+            <a:off x="17286341" y="3702914"/>
+            <a:ext cx="1441224" cy="1441224"/>
+          </a:xfrm>
+          <a:prstGeom prst="rect">
+            <a:avLst/>
+          </a:prstGeom>
+        </p:spPr>
+      </p:pic>
+      <p:pic>
+        <p:nvPicPr>
+          <p:cNvPr id="9" name="Graphic 8" descr="Internet outline">
+            <a:extLst>
+              <a:ext uri="{FF2B5EF4-FFF2-40B4-BE49-F238E27FC236}">
+                <a16:creationId xmlns:a16="http://schemas.microsoft.com/office/drawing/2014/main" id="{86A7CD78-C350-2561-A58C-DC8751140CA5}"/>
+              </a:ext>
+            </a:extLst>
+          </p:cNvPr>
+          <p:cNvPicPr>
+            <a:picLocks noChangeAspect="1"/>
+          </p:cNvPicPr>
+          <p:nvPr/>
+        </p:nvPicPr>
+        <p:blipFill>
+          <a:blip r:embed="rId9">
+            <a:extLst>
+              <a:ext uri="{28A0092B-C50C-407E-A947-70E740481C1C}">
+                <a14:useLocalDpi xmlns:a14="http://schemas.microsoft.com/office/drawing/2010/main" val="0"/>
+              </a:ext>
+              <a:ext uri="{96DAC541-7B7A-43D3-8B79-37D633B846F1}">
+                <asvg:svgBlip xmlns:asvg="http://schemas.microsoft.com/office/drawing/2016/SVG/main" r:embed="rId10"/>
+              </a:ext>
+            </a:extLst>
+          </a:blip>
+          <a:stretch>
+            <a:fillRect/>
+          </a:stretch>
+        </p:blipFill>
+        <p:spPr>
+          <a:xfrm>
+            <a:off x="11699867" y="3745396"/>
+            <a:ext cx="1356260" cy="1356260"/>
+          </a:xfrm>
+          <a:prstGeom prst="rect">
+            <a:avLst/>
+          </a:prstGeom>
+        </p:spPr>
+      </p:pic>
+      <p:pic>
+        <p:nvPicPr>
+          <p:cNvPr id="10" name="Picture 9">
+            <a:extLst>
+              <a:ext uri="{FF2B5EF4-FFF2-40B4-BE49-F238E27FC236}">
+                <a16:creationId xmlns:a16="http://schemas.microsoft.com/office/drawing/2014/main" id="{F9D1169A-20CD-83D9-F342-FD2236BA8B8F}"/>
+              </a:ext>
+            </a:extLst>
+          </p:cNvPr>
+          <p:cNvPicPr>
+            <a:picLocks noChangeAspect="1"/>
+          </p:cNvPicPr>
+          <p:nvPr/>
+        </p:nvPicPr>
+        <p:blipFill>
+          <a:blip r:embed="rId11"/>
+          <a:stretch>
+            <a:fillRect/>
+          </a:stretch>
+        </p:blipFill>
+        <p:spPr>
+          <a:xfrm>
+            <a:off x="5647152" y="3823361"/>
+            <a:ext cx="1459783" cy="1200329"/>
+          </a:xfrm>
+          <a:prstGeom prst="rect">
+            <a:avLst/>
+          </a:prstGeom>
+          <a:solidFill>
+            <a:schemeClr val="bg1"/>
+          </a:solidFill>
+        </p:spPr>
+      </p:pic>
+      <p:pic>
+        <p:nvPicPr>
+          <p:cNvPr id="11" name="Picture 10">
+            <a:extLst>
+              <a:ext uri="{FF2B5EF4-FFF2-40B4-BE49-F238E27FC236}">
+                <a16:creationId xmlns:a16="http://schemas.microsoft.com/office/drawing/2014/main" id="{7EC974B4-2A4D-ED87-50EC-085891D40968}"/>
+              </a:ext>
+            </a:extLst>
+          </p:cNvPr>
+          <p:cNvPicPr>
+            <a:picLocks noChangeAspect="1"/>
+          </p:cNvPicPr>
+          <p:nvPr/>
+        </p:nvPicPr>
+        <p:blipFill>
+          <a:blip r:embed="rId12"/>
+          <a:stretch>
+            <a:fillRect/>
+          </a:stretch>
+        </p:blipFill>
+        <p:spPr>
+          <a:xfrm>
+            <a:off x="8704384" y="7348438"/>
+            <a:ext cx="1335373" cy="1335373"/>
+          </a:xfrm>
+          <a:prstGeom prst="rect">
+            <a:avLst/>
+          </a:prstGeom>
+        </p:spPr>
+      </p:pic>
+      <p:pic>
+        <p:nvPicPr>
+          <p:cNvPr id="14" name="Picture 13">
+            <a:extLst>
+              <a:ext uri="{FF2B5EF4-FFF2-40B4-BE49-F238E27FC236}">
+                <a16:creationId xmlns:a16="http://schemas.microsoft.com/office/drawing/2014/main" id="{CAF38523-F5FE-4ECE-46D7-8D2DEF2F62EF}"/>
+              </a:ext>
+            </a:extLst>
+          </p:cNvPr>
+          <p:cNvPicPr>
+            <a:picLocks noChangeAspect="1"/>
+          </p:cNvPicPr>
+          <p:nvPr/>
+        </p:nvPicPr>
+        <p:blipFill>
+          <a:blip r:embed="rId13"/>
+          <a:stretch>
+            <a:fillRect/>
+          </a:stretch>
+        </p:blipFill>
+        <p:spPr>
+          <a:xfrm>
+            <a:off x="14522126" y="7265318"/>
+            <a:ext cx="1501611" cy="1501611"/>
+          </a:xfrm>
+          <a:prstGeom prst="rect">
+            <a:avLst/>
+          </a:prstGeom>
+        </p:spPr>
+      </p:pic>
+    </p:spTree>
+    <p:extLst>
+      <p:ext uri="{BB962C8B-B14F-4D97-AF65-F5344CB8AC3E}">
+        <p14:creationId xmlns:p14="http://schemas.microsoft.com/office/powerpoint/2010/main" val="2325926245"/>
+      </p:ext>
+    </p:extLst>
+  </p:cSld>
+  <p:clrMapOvr>
+    <a:masterClrMapping/>
+  </p:clrMapOvr>
+  <mc:AlternateContent xmlns:mc="http://schemas.openxmlformats.org/markup-compatibility/2006" xmlns:p14="http://schemas.microsoft.com/office/powerpoint/2010/main">
+    <mc:Choice Requires="p14">
+      <p:transition spd="med" p14:dur="700">
+        <p:fade/>
+      </p:transition>
+    </mc:Choice>
+    <mc:Fallback xmlns="">
+      <p:transition spd="med">
+        <p:fade/>
+      </p:transition>
+    </mc:Fallback>
+  </mc:AlternateContent>
+</p:sld>
+</file>
+
 <file path=ppt/slides/slide2.xml><?xml version="1.0" encoding="utf-8"?>
 <p:sld xmlns:a="http://schemas.openxmlformats.org/drawingml/2006/main" xmlns:r="http://schemas.openxmlformats.org/officeDocument/2006/relationships" xmlns:p="http://schemas.openxmlformats.org/presentationml/2006/main">
   <p:cSld>
@@ -4324,8 +5317,44 @@
               <a:buChar char="•"/>
             </a:pPr>
             <a:r>
-              <a:rPr lang="en-US" dirty="0"/>
-              <a:t>We will outline the goals of our resource dashboard</a:t>
+              <a:rPr lang="en-US" sz="4400" dirty="0"/>
+              <a:t>We will outline (but not code) the goals of our resource dashboard and plan out phases 1, 2, and 3 (</a:t>
+            </a:r>
+            <a:r>
+              <a:rPr lang="en-US" sz="4400" b="1" dirty="0"/>
+              <a:t>data collection,</a:t>
+            </a:r>
+            <a:r>
+              <a:rPr lang="en-US" sz="4400" dirty="0"/>
+              <a:t> </a:t>
+            </a:r>
+            <a:r>
+              <a:rPr lang="en-US" sz="4400" b="1" dirty="0"/>
+              <a:t>dashboard design, and data cleaning*</a:t>
+            </a:r>
+            <a:r>
+              <a:rPr lang="en-US" sz="4400" dirty="0"/>
+              <a:t>)</a:t>
+            </a:r>
+          </a:p>
+          <a:p>
+            <a:pPr marL="457200" indent="-457200">
+              <a:buFont typeface="Arial" panose="020B0604020202020204" pitchFamily="34" charset="0"/>
+              <a:buChar char="•"/>
+            </a:pPr>
+            <a:r>
+              <a:rPr lang="en-US" sz="4400" dirty="0"/>
+              <a:t>Why data cleaning?  You said no coding yet!</a:t>
+            </a:r>
+          </a:p>
+          <a:p>
+            <a:pPr marL="1485900" lvl="1" indent="-571500">
+              <a:buFont typeface="Courier New" panose="02070309020205020404" pitchFamily="49" charset="0"/>
+              <a:buChar char="o"/>
+            </a:pPr>
+            <a:r>
+              <a:rPr lang="en-US" sz="4400" dirty="0"/>
+              <a:t>With any coding project, we need to start with a goal in mind.  By planning what we’ll do to the raw data before opening R, we can save time and frustration.</a:t>
             </a:r>
           </a:p>
           <a:p>
@@ -4347,6 +5376,266 @@
   <p:clrMapOvr>
     <a:masterClrMapping/>
   </p:clrMapOvr>
+  <p:timing>
+    <p:tnLst>
+      <p:par>
+        <p:cTn id="1" dur="indefinite" restart="never" nodeType="tmRoot">
+          <p:childTnLst>
+            <p:seq concurrent="1" nextAc="seek">
+              <p:cTn id="2" dur="indefinite" nodeType="mainSeq">
+                <p:childTnLst>
+                  <p:par>
+                    <p:cTn id="3" fill="hold">
+                      <p:stCondLst>
+                        <p:cond delay="indefinite"/>
+                      </p:stCondLst>
+                      <p:childTnLst>
+                        <p:par>
+                          <p:cTn id="4" fill="hold">
+                            <p:stCondLst>
+                              <p:cond delay="0"/>
+                            </p:stCondLst>
+                            <p:childTnLst>
+                              <p:par>
+                                <p:cTn id="5" presetID="53" presetClass="entr" presetSubtype="16" fill="hold" nodeType="clickEffect">
+                                  <p:stCondLst>
+                                    <p:cond delay="0"/>
+                                  </p:stCondLst>
+                                  <p:childTnLst>
+                                    <p:set>
+                                      <p:cBhvr>
+                                        <p:cTn id="6" dur="1" fill="hold">
+                                          <p:stCondLst>
+                                            <p:cond delay="0"/>
+                                          </p:stCondLst>
+                                        </p:cTn>
+                                        <p:tgtEl>
+                                          <p:spTgt spid="3">
+                                            <p:txEl>
+                                              <p:pRg st="1" end="1"/>
+                                            </p:txEl>
+                                          </p:spTgt>
+                                        </p:tgtEl>
+                                        <p:attrNameLst>
+                                          <p:attrName>style.visibility</p:attrName>
+                                        </p:attrNameLst>
+                                      </p:cBhvr>
+                                      <p:to>
+                                        <p:strVal val="visible"/>
+                                      </p:to>
+                                    </p:set>
+                                    <p:anim calcmode="lin" valueType="num">
+                                      <p:cBhvr>
+                                        <p:cTn id="7" dur="500" fill="hold"/>
+                                        <p:tgtEl>
+                                          <p:spTgt spid="3">
+                                            <p:txEl>
+                                              <p:pRg st="1" end="1"/>
+                                            </p:txEl>
+                                          </p:spTgt>
+                                        </p:tgtEl>
+                                        <p:attrNameLst>
+                                          <p:attrName>ppt_w</p:attrName>
+                                        </p:attrNameLst>
+                                      </p:cBhvr>
+                                      <p:tavLst>
+                                        <p:tav tm="0">
+                                          <p:val>
+                                            <p:fltVal val="0"/>
+                                          </p:val>
+                                        </p:tav>
+                                        <p:tav tm="100000">
+                                          <p:val>
+                                            <p:strVal val="#ppt_w"/>
+                                          </p:val>
+                                        </p:tav>
+                                      </p:tavLst>
+                                    </p:anim>
+                                    <p:anim calcmode="lin" valueType="num">
+                                      <p:cBhvr>
+                                        <p:cTn id="8" dur="500" fill="hold"/>
+                                        <p:tgtEl>
+                                          <p:spTgt spid="3">
+                                            <p:txEl>
+                                              <p:pRg st="1" end="1"/>
+                                            </p:txEl>
+                                          </p:spTgt>
+                                        </p:tgtEl>
+                                        <p:attrNameLst>
+                                          <p:attrName>ppt_h</p:attrName>
+                                        </p:attrNameLst>
+                                      </p:cBhvr>
+                                      <p:tavLst>
+                                        <p:tav tm="0">
+                                          <p:val>
+                                            <p:fltVal val="0"/>
+                                          </p:val>
+                                        </p:tav>
+                                        <p:tav tm="100000">
+                                          <p:val>
+                                            <p:strVal val="#ppt_h"/>
+                                          </p:val>
+                                        </p:tav>
+                                      </p:tavLst>
+                                    </p:anim>
+                                    <p:animEffect transition="in" filter="fade">
+                                      <p:cBhvr>
+                                        <p:cTn id="9" dur="500"/>
+                                        <p:tgtEl>
+                                          <p:spTgt spid="3">
+                                            <p:txEl>
+                                              <p:pRg st="1" end="1"/>
+                                            </p:txEl>
+                                          </p:spTgt>
+                                        </p:tgtEl>
+                                      </p:cBhvr>
+                                    </p:animEffect>
+                                  </p:childTnLst>
+                                </p:cTn>
+                              </p:par>
+                            </p:childTnLst>
+                          </p:cTn>
+                        </p:par>
+                      </p:childTnLst>
+                    </p:cTn>
+                  </p:par>
+                  <p:par>
+                    <p:cTn id="10" fill="hold">
+                      <p:stCondLst>
+                        <p:cond delay="indefinite"/>
+                      </p:stCondLst>
+                      <p:childTnLst>
+                        <p:par>
+                          <p:cTn id="11" fill="hold">
+                            <p:stCondLst>
+                              <p:cond delay="0"/>
+                            </p:stCondLst>
+                            <p:childTnLst>
+                              <p:par>
+                                <p:cTn id="12" presetID="53" presetClass="entr" presetSubtype="16" fill="hold" nodeType="clickEffect">
+                                  <p:stCondLst>
+                                    <p:cond delay="0"/>
+                                  </p:stCondLst>
+                                  <p:childTnLst>
+                                    <p:set>
+                                      <p:cBhvr>
+                                        <p:cTn id="13" dur="1" fill="hold">
+                                          <p:stCondLst>
+                                            <p:cond delay="0"/>
+                                          </p:stCondLst>
+                                        </p:cTn>
+                                        <p:tgtEl>
+                                          <p:spTgt spid="3">
+                                            <p:txEl>
+                                              <p:pRg st="2" end="2"/>
+                                            </p:txEl>
+                                          </p:spTgt>
+                                        </p:tgtEl>
+                                        <p:attrNameLst>
+                                          <p:attrName>style.visibility</p:attrName>
+                                        </p:attrNameLst>
+                                      </p:cBhvr>
+                                      <p:to>
+                                        <p:strVal val="visible"/>
+                                      </p:to>
+                                    </p:set>
+                                    <p:anim calcmode="lin" valueType="num">
+                                      <p:cBhvr>
+                                        <p:cTn id="14" dur="500" fill="hold"/>
+                                        <p:tgtEl>
+                                          <p:spTgt spid="3">
+                                            <p:txEl>
+                                              <p:pRg st="2" end="2"/>
+                                            </p:txEl>
+                                          </p:spTgt>
+                                        </p:tgtEl>
+                                        <p:attrNameLst>
+                                          <p:attrName>ppt_w</p:attrName>
+                                        </p:attrNameLst>
+                                      </p:cBhvr>
+                                      <p:tavLst>
+                                        <p:tav tm="0">
+                                          <p:val>
+                                            <p:fltVal val="0"/>
+                                          </p:val>
+                                        </p:tav>
+                                        <p:tav tm="100000">
+                                          <p:val>
+                                            <p:strVal val="#ppt_w"/>
+                                          </p:val>
+                                        </p:tav>
+                                      </p:tavLst>
+                                    </p:anim>
+                                    <p:anim calcmode="lin" valueType="num">
+                                      <p:cBhvr>
+                                        <p:cTn id="15" dur="500" fill="hold"/>
+                                        <p:tgtEl>
+                                          <p:spTgt spid="3">
+                                            <p:txEl>
+                                              <p:pRg st="2" end="2"/>
+                                            </p:txEl>
+                                          </p:spTgt>
+                                        </p:tgtEl>
+                                        <p:attrNameLst>
+                                          <p:attrName>ppt_h</p:attrName>
+                                        </p:attrNameLst>
+                                      </p:cBhvr>
+                                      <p:tavLst>
+                                        <p:tav tm="0">
+                                          <p:val>
+                                            <p:fltVal val="0"/>
+                                          </p:val>
+                                        </p:tav>
+                                        <p:tav tm="100000">
+                                          <p:val>
+                                            <p:strVal val="#ppt_h"/>
+                                          </p:val>
+                                        </p:tav>
+                                      </p:tavLst>
+                                    </p:anim>
+                                    <p:animEffect transition="in" filter="fade">
+                                      <p:cBhvr>
+                                        <p:cTn id="16" dur="500"/>
+                                        <p:tgtEl>
+                                          <p:spTgt spid="3">
+                                            <p:txEl>
+                                              <p:pRg st="2" end="2"/>
+                                            </p:txEl>
+                                          </p:spTgt>
+                                        </p:tgtEl>
+                                      </p:cBhvr>
+                                    </p:animEffect>
+                                  </p:childTnLst>
+                                </p:cTn>
+                              </p:par>
+                            </p:childTnLst>
+                          </p:cTn>
+                        </p:par>
+                      </p:childTnLst>
+                    </p:cTn>
+                  </p:par>
+                </p:childTnLst>
+              </p:cTn>
+              <p:prevCondLst>
+                <p:cond evt="onPrev" delay="0">
+                  <p:tgtEl>
+                    <p:sldTgt/>
+                  </p:tgtEl>
+                </p:cond>
+              </p:prevCondLst>
+              <p:nextCondLst>
+                <p:cond evt="onNext" delay="0">
+                  <p:tgtEl>
+                    <p:sldTgt/>
+                  </p:tgtEl>
+                </p:cond>
+              </p:nextCondLst>
+            </p:seq>
+          </p:childTnLst>
+        </p:cTn>
+      </p:par>
+    </p:tnLst>
+  </p:timing>
 </p:sld>
 </file>
 
@@ -4372,7 +5661,7 @@
           <p:cNvPr id="2" name="Title 1">
             <a:extLst>
               <a:ext uri="{FF2B5EF4-FFF2-40B4-BE49-F238E27FC236}">
-                <a16:creationId xmlns:a16="http://schemas.microsoft.com/office/drawing/2014/main" id="{4E2DADBF-CA09-C981-2502-5CAC9C9790D2}"/>
+                <a16:creationId xmlns:a16="http://schemas.microsoft.com/office/drawing/2014/main" id="{2C7F9431-16E2-217B-4161-8D46E6CA51CB}"/>
               </a:ext>
             </a:extLst>
           </p:cNvPr>
@@ -4390,7 +5679,7 @@
           <a:p>
             <a:r>
               <a:rPr lang="en-US" dirty="0"/>
-              <a:t>WHAT’S NEXT?</a:t>
+              <a:t>RESOURCES DASHBOARD - GOALS</a:t>
             </a:r>
           </a:p>
         </p:txBody>
@@ -4400,7 +5689,7 @@
           <p:cNvPr id="3" name="Text Placeholder 2">
             <a:extLst>
               <a:ext uri="{FF2B5EF4-FFF2-40B4-BE49-F238E27FC236}">
-                <a16:creationId xmlns:a16="http://schemas.microsoft.com/office/drawing/2014/main" id="{DFF5793A-E56C-7109-B68E-491C3D23ED80}"/>
+                <a16:creationId xmlns:a16="http://schemas.microsoft.com/office/drawing/2014/main" id="{58B4D3C4-6D5E-A843-3224-F57011BCE00B}"/>
               </a:ext>
             </a:extLst>
           </p:cNvPr>
@@ -4411,11 +5700,137 @@
             <p:ph type="body" sz="quarter" idx="10"/>
           </p:nvPr>
         </p:nvSpPr>
-        <p:spPr/>
+        <p:spPr>
+          <a:xfrm>
+            <a:off x="3048000" y="2866293"/>
+            <a:ext cx="18288000" cy="7772400"/>
+          </a:xfrm>
+        </p:spPr>
         <p:txBody>
           <a:bodyPr/>
           <a:lstStyle/>
           <a:p>
+            <a:pPr marL="457200" indent="-457200">
+              <a:buFont typeface="Arial" panose="020B0604020202020204" pitchFamily="34" charset="0"/>
+              <a:buChar char="•"/>
+            </a:pPr>
+            <a:r>
+              <a:rPr lang="en-US" dirty="0"/>
+              <a:t>We start every dashboard project with a goal in mind.  What do we want to accomplish?</a:t>
+            </a:r>
+          </a:p>
+          <a:p>
+            <a:pPr marL="457200" indent="-457200">
+              <a:buFont typeface="Arial" panose="020B0604020202020204" pitchFamily="34" charset="0"/>
+              <a:buChar char="•"/>
+            </a:pPr>
+            <a:r>
+              <a:rPr lang="en-US" dirty="0"/>
+              <a:t>The mental health resource dashboard needs (at minimum) to contain the following:</a:t>
+            </a:r>
+          </a:p>
+          <a:p>
+            <a:pPr marL="1371600" lvl="1" indent="-457200">
+              <a:buFont typeface="Arial" panose="020B0604020202020204" pitchFamily="34" charset="0"/>
+              <a:buChar char="•"/>
+            </a:pPr>
+            <a:r>
+              <a:rPr lang="en-US" dirty="0"/>
+              <a:t>A directory of local hotlines and authorities on mental health</a:t>
+            </a:r>
+          </a:p>
+          <a:p>
+            <a:pPr marL="1371600" lvl="1" indent="-457200">
+              <a:buFont typeface="Arial" panose="020B0604020202020204" pitchFamily="34" charset="0"/>
+              <a:buChar char="•"/>
+            </a:pPr>
+            <a:r>
+              <a:rPr lang="en-US" dirty="0"/>
+              <a:t>A directory of treatment facilities </a:t>
+            </a:r>
+          </a:p>
+          <a:p>
+            <a:pPr marL="1371600" lvl="1" indent="-457200">
+              <a:buFont typeface="Arial" panose="020B0604020202020204" pitchFamily="34" charset="0"/>
+              <a:buChar char="•"/>
+            </a:pPr>
+            <a:r>
+              <a:rPr lang="en-US" dirty="0"/>
+              <a:t>A directory of emergency rooms</a:t>
+            </a:r>
+          </a:p>
+          <a:p>
+            <a:pPr marL="1371600" lvl="1" indent="-457200">
+              <a:buFont typeface="Arial" panose="020B0604020202020204" pitchFamily="34" charset="0"/>
+              <a:buChar char="•"/>
+            </a:pPr>
+            <a:r>
+              <a:rPr lang="en-US" dirty="0"/>
+              <a:t>Data on the number of licensed MH professionals (LCDCs, counsellors, psychiatrists, etc...) per county</a:t>
+            </a:r>
+          </a:p>
+          <a:p>
+            <a:pPr marL="457200" indent="-457200">
+              <a:buFont typeface="Arial" panose="020B0604020202020204" pitchFamily="34" charset="0"/>
+              <a:buChar char="•"/>
+            </a:pPr>
+            <a:r>
+              <a:rPr lang="en-US" dirty="0"/>
+              <a:t>The resource dashboard also needs to support the following:</a:t>
+            </a:r>
+          </a:p>
+          <a:p>
+            <a:pPr marL="1371600" lvl="1" indent="-457200">
+              <a:buFont typeface="Arial" panose="020B0604020202020204" pitchFamily="34" charset="0"/>
+              <a:buChar char="•"/>
+            </a:pPr>
+            <a:r>
+              <a:rPr lang="en-US" dirty="0"/>
+              <a:t>Allow users to filter by county and/or city</a:t>
+            </a:r>
+          </a:p>
+          <a:p>
+            <a:pPr marL="1371600" lvl="1" indent="-457200">
+              <a:buFont typeface="Arial" panose="020B0604020202020204" pitchFamily="34" charset="0"/>
+              <a:buChar char="•"/>
+            </a:pPr>
+            <a:r>
+              <a:rPr lang="en-US" dirty="0"/>
+              <a:t>Allow users to filter facilities by population served (for example, facilities that work with adolescents) or service provided (for example, buprenorphine)</a:t>
+            </a:r>
+          </a:p>
+          <a:p>
+            <a:pPr marL="1371600" lvl="1" indent="-457200">
+              <a:buFont typeface="Arial" panose="020B0604020202020204" pitchFamily="34" charset="0"/>
+              <a:buChar char="•"/>
+            </a:pPr>
+            <a:r>
+              <a:rPr lang="en-US" dirty="0"/>
+              <a:t>Generate maps at the state and local level so that users can identify service deserts</a:t>
+            </a:r>
+          </a:p>
+          <a:p>
+            <a:pPr marL="457200" indent="-457200">
+              <a:buFont typeface="Arial" panose="020B0604020202020204" pitchFamily="34" charset="0"/>
+              <a:buChar char="•"/>
+            </a:pPr>
+            <a:r>
+              <a:rPr lang="en-US" dirty="0"/>
+              <a:t>Safety concerns – this dashboard NOT intended as a resource for people currently in crisis.  Phone numbers, addresses, and more may change after the publication of the dashboard.  We need to communicate this with a disclaimer on the dashboard.</a:t>
+            </a:r>
+          </a:p>
+          <a:p>
+            <a:pPr marL="1371600" lvl="1" indent="-457200">
+              <a:buFont typeface="Arial" panose="020B0604020202020204" pitchFamily="34" charset="0"/>
+              <a:buChar char="•"/>
+            </a:pPr>
+            <a:endParaRPr lang="en-US" dirty="0"/>
+          </a:p>
+          <a:p>
+            <a:pPr marL="1371600" lvl="1" indent="-457200">
+              <a:buFont typeface="Arial" panose="020B0604020202020204" pitchFamily="34" charset="0"/>
+              <a:buChar char="•"/>
+            </a:pPr>
             <a:endParaRPr lang="en-US" dirty="0"/>
           </a:p>
         </p:txBody>
@@ -4423,7 +5838,7 @@
     </p:spTree>
     <p:extLst>
       <p:ext uri="{BB962C8B-B14F-4D97-AF65-F5344CB8AC3E}">
-        <p14:creationId xmlns:p14="http://schemas.microsoft.com/office/powerpoint/2010/main" val="4033334402"/>
+        <p14:creationId xmlns:p14="http://schemas.microsoft.com/office/powerpoint/2010/main" val="1714801270"/>
       </p:ext>
     </p:extLst>
   </p:cSld>
@@ -4436,14 +5851,6 @@
 <file path=ppt/slides/slide5.xml><?xml version="1.0" encoding="utf-8"?>
 <p:sld xmlns:a="http://schemas.openxmlformats.org/drawingml/2006/main" xmlns:r="http://schemas.openxmlformats.org/officeDocument/2006/relationships" xmlns:p="http://schemas.openxmlformats.org/presentationml/2006/main">
   <p:cSld>
-    <p:bg>
-      <p:bgPr>
-        <a:solidFill>
-          <a:schemeClr val="bg1"/>
-        </a:solidFill>
-        <a:effectLst/>
-      </p:bgPr>
-    </p:bg>
     <p:spTree>
       <p:nvGrpSpPr>
         <p:cNvPr id="1" name=""/>
@@ -4460,10 +5867,10 @@
       </p:grpSpPr>
       <p:sp>
         <p:nvSpPr>
-          <p:cNvPr id="21" name="Title 20">
-            <a:extLst>
-              <a:ext uri="{FF2B5EF4-FFF2-40B4-BE49-F238E27FC236}">
-                <a16:creationId xmlns:a16="http://schemas.microsoft.com/office/drawing/2014/main" id="{BAB96198-63BA-B44D-A753-910F5F587207}"/>
+          <p:cNvPr id="2" name="Title 1">
+            <a:extLst>
+              <a:ext uri="{FF2B5EF4-FFF2-40B4-BE49-F238E27FC236}">
+                <a16:creationId xmlns:a16="http://schemas.microsoft.com/office/drawing/2014/main" id="{AD60FFB3-1ECE-42BE-FC39-4C7B914336D2}"/>
               </a:ext>
             </a:extLst>
           </p:cNvPr>
@@ -4481,38 +5888,371 @@
           <a:p>
             <a:r>
               <a:rPr lang="en-US" dirty="0"/>
-              <a:t>FOLLOW US</a:t>
-            </a:r>
-          </a:p>
-        </p:txBody>
-      </p:sp>
-      <p:sp>
-        <p:nvSpPr>
-          <p:cNvPr id="17" name="Oval 16">
-            <a:extLst>
-              <a:ext uri="{FF2B5EF4-FFF2-40B4-BE49-F238E27FC236}">
-                <a16:creationId xmlns:a16="http://schemas.microsoft.com/office/drawing/2014/main" id="{FE5ACFE6-65B1-6042-AA07-B1444C2E767E}"/>
-              </a:ext>
-              <a:ext uri="{C183D7F6-B498-43B3-948B-1728B52AA6E4}">
-                <adec:decorative xmlns:adec="http://schemas.microsoft.com/office/drawing/2017/decorative" val="0"/>
-              </a:ext>
-            </a:extLst>
-          </p:cNvPr>
-          <p:cNvSpPr/>
+              <a:t>DATA COLLECTION</a:t>
+            </a:r>
+          </a:p>
+        </p:txBody>
+      </p:sp>
+      <p:sp>
+        <p:nvSpPr>
+          <p:cNvPr id="3" name="Text Placeholder 2">
+            <a:extLst>
+              <a:ext uri="{FF2B5EF4-FFF2-40B4-BE49-F238E27FC236}">
+                <a16:creationId xmlns:a16="http://schemas.microsoft.com/office/drawing/2014/main" id="{AE997D33-9A23-F127-F7C7-CAD96EE7D698}"/>
+              </a:ext>
+            </a:extLst>
+          </p:cNvPr>
+          <p:cNvSpPr>
+            <a:spLocks noGrp="1"/>
+          </p:cNvSpPr>
+          <p:nvPr>
+            <p:ph type="body" sz="quarter" idx="10"/>
+          </p:nvPr>
+        </p:nvSpPr>
+        <p:spPr>
+          <a:xfrm>
+            <a:off x="3048000" y="3006969"/>
+            <a:ext cx="18288000" cy="7153031"/>
+          </a:xfrm>
+        </p:spPr>
+        <p:txBody>
+          <a:bodyPr/>
+          <a:lstStyle/>
+          <a:p>
+            <a:pPr marL="457200" indent="-457200">
+              <a:buFont typeface="Arial" panose="020B0604020202020204" pitchFamily="34" charset="0"/>
+              <a:buChar char="•"/>
+            </a:pPr>
+            <a:r>
+              <a:rPr lang="en-US" sz="3400" dirty="0"/>
+              <a:t>Sources:</a:t>
+            </a:r>
+          </a:p>
+          <a:p>
+            <a:pPr marL="1371600" lvl="1" indent="-457200">
+              <a:buFont typeface="Arial" panose="020B0604020202020204" pitchFamily="34" charset="0"/>
+              <a:buChar char="•"/>
+            </a:pPr>
+            <a:r>
+              <a:rPr lang="en-US" sz="3400" dirty="0"/>
+              <a:t>Mental and behavioral health authorities in Texas - </a:t>
+            </a:r>
+            <a:r>
+              <a:rPr lang="en-US" sz="3400" dirty="0">
+                <a:hlinkClick r:id="rId2"/>
+              </a:rPr>
+              <a:t>https://www.hhs.texas.gov/services/mental-health-substance-use/mental-health-substance-use-resources/find-your-local-mental-health-or-behavioral-health-authority</a:t>
+            </a:r>
+            <a:r>
+              <a:rPr lang="en-US" sz="3400" dirty="0"/>
+              <a:t> </a:t>
+            </a:r>
+          </a:p>
+          <a:p>
+            <a:pPr marL="1371600" lvl="1" indent="-457200">
+              <a:buFont typeface="Arial" panose="020B0604020202020204" pitchFamily="34" charset="0"/>
+              <a:buChar char="•"/>
+            </a:pPr>
+            <a:r>
+              <a:rPr lang="en-US" sz="3400" dirty="0"/>
+              <a:t>A directory of treatment facilities - </a:t>
+            </a:r>
+            <a:r>
+              <a:rPr lang="en-US" sz="3400" dirty="0">
+                <a:hlinkClick r:id="rId3"/>
+              </a:rPr>
+              <a:t>https://findtreatment.gov/</a:t>
+            </a:r>
+            <a:r>
+              <a:rPr lang="en-US" sz="3400" dirty="0"/>
+              <a:t> </a:t>
+            </a:r>
+          </a:p>
+          <a:p>
+            <a:pPr marL="1371600" lvl="1" indent="-457200">
+              <a:buFont typeface="Arial" panose="020B0604020202020204" pitchFamily="34" charset="0"/>
+              <a:buChar char="•"/>
+            </a:pPr>
+            <a:r>
+              <a:rPr lang="en-US" sz="3400" dirty="0"/>
+              <a:t>A directory of emergency rooms - </a:t>
+            </a:r>
+            <a:r>
+              <a:rPr lang="en-US" sz="3400" dirty="0">
+                <a:hlinkClick r:id="rId4"/>
+              </a:rPr>
+              <a:t>https://data.cms.gov/provider-data/dataset/xubh-q36u</a:t>
+            </a:r>
+            <a:r>
+              <a:rPr lang="en-US" sz="3400" dirty="0"/>
+              <a:t> </a:t>
+            </a:r>
+          </a:p>
+          <a:p>
+            <a:pPr marL="1371600" lvl="1" indent="-457200">
+              <a:buFont typeface="Arial" panose="020B0604020202020204" pitchFamily="34" charset="0"/>
+              <a:buChar char="•"/>
+            </a:pPr>
+            <a:r>
+              <a:rPr lang="en-US" sz="3400" dirty="0"/>
+              <a:t>Data on the number of licensed MH professionals (LCDCs, counsellors, psychiatrists, etc...) per county - </a:t>
+            </a:r>
+            <a:r>
+              <a:rPr lang="en-US" sz="3400" dirty="0">
+                <a:hlinkClick r:id="rId5"/>
+              </a:rPr>
+              <a:t>https://healthdata.dshs.texas.gov/dashboard/health-care-workforce/hprc/health-profession-supply</a:t>
+            </a:r>
+            <a:r>
+              <a:rPr lang="en-US" sz="3400" dirty="0"/>
+              <a:t> </a:t>
+            </a:r>
+          </a:p>
+          <a:p>
+            <a:pPr marL="457200" indent="-457200">
+              <a:buFont typeface="Arial" panose="020B0604020202020204" pitchFamily="34" charset="0"/>
+              <a:buChar char="•"/>
+            </a:pPr>
+            <a:r>
+              <a:rPr lang="en-US" sz="3400" dirty="0"/>
+              <a:t>Question – what will each of these look like when downloaded?</a:t>
+            </a:r>
+          </a:p>
+          <a:p>
+            <a:pPr marL="1371600" lvl="1" indent="-457200">
+              <a:buFont typeface="Arial" panose="020B0604020202020204" pitchFamily="34" charset="0"/>
+              <a:buChar char="•"/>
+            </a:pPr>
+            <a:endParaRPr lang="en-US" dirty="0"/>
+          </a:p>
+        </p:txBody>
+      </p:sp>
+    </p:spTree>
+    <p:extLst>
+      <p:ext uri="{BB962C8B-B14F-4D97-AF65-F5344CB8AC3E}">
+        <p14:creationId xmlns:p14="http://schemas.microsoft.com/office/powerpoint/2010/main" val="2178350274"/>
+      </p:ext>
+    </p:extLst>
+  </p:cSld>
+  <p:clrMapOvr>
+    <a:masterClrMapping/>
+  </p:clrMapOvr>
+</p:sld>
+</file>
+
+<file path=ppt/slides/slide6.xml><?xml version="1.0" encoding="utf-8"?>
+<p:sld xmlns:a="http://schemas.openxmlformats.org/drawingml/2006/main" xmlns:r="http://schemas.openxmlformats.org/officeDocument/2006/relationships" xmlns:p="http://schemas.openxmlformats.org/presentationml/2006/main">
+  <p:cSld>
+    <p:spTree>
+      <p:nvGrpSpPr>
+        <p:cNvPr id="1" name=""/>
+        <p:cNvGrpSpPr/>
+        <p:nvPr/>
+      </p:nvGrpSpPr>
+      <p:grpSpPr>
+        <a:xfrm>
+          <a:off x="0" y="0"/>
+          <a:ext cx="0" cy="0"/>
+          <a:chOff x="0" y="0"/>
+          <a:chExt cx="0" cy="0"/>
+        </a:xfrm>
+      </p:grpSpPr>
+      <p:sp>
+        <p:nvSpPr>
+          <p:cNvPr id="2" name="Title 1">
+            <a:extLst>
+              <a:ext uri="{FF2B5EF4-FFF2-40B4-BE49-F238E27FC236}">
+                <a16:creationId xmlns:a16="http://schemas.microsoft.com/office/drawing/2014/main" id="{8A0DF1A5-FAFE-85B0-B420-7CC428BC50C9}"/>
+              </a:ext>
+            </a:extLst>
+          </p:cNvPr>
+          <p:cNvSpPr>
+            <a:spLocks noGrp="1"/>
+          </p:cNvSpPr>
+          <p:nvPr>
+            <p:ph type="title"/>
+          </p:nvPr>
+        </p:nvSpPr>
+        <p:spPr/>
+        <p:txBody>
+          <a:bodyPr/>
+          <a:lstStyle/>
+          <a:p>
+            <a:r>
+              <a:rPr lang="en-US" dirty="0"/>
+              <a:t>DASHBOARD DESIGN</a:t>
+            </a:r>
+          </a:p>
+        </p:txBody>
+      </p:sp>
+      <p:sp>
+        <p:nvSpPr>
+          <p:cNvPr id="4" name="TextBox 3">
+            <a:extLst>
+              <a:ext uri="{FF2B5EF4-FFF2-40B4-BE49-F238E27FC236}">
+                <a16:creationId xmlns:a16="http://schemas.microsoft.com/office/drawing/2014/main" id="{B03C3C8E-E5D8-510B-F4AC-0FC917448C21}"/>
+              </a:ext>
+            </a:extLst>
+          </p:cNvPr>
+          <p:cNvSpPr txBox="1"/>
           <p:nvPr/>
         </p:nvSpPr>
         <p:spPr>
           <a:xfrm>
-            <a:off x="5325485" y="3315590"/>
-            <a:ext cx="2103119" cy="2103120"/>
-          </a:xfrm>
-          <a:prstGeom prst="ellipse">
+            <a:off x="8212015" y="3147646"/>
+            <a:ext cx="4994031" cy="461665"/>
+          </a:xfrm>
+          <a:prstGeom prst="rect">
             <a:avLst/>
           </a:prstGeom>
           <a:noFill/>
-          <a:ln w="38100">
+          <a:ln>
             <a:solidFill>
-              <a:srgbClr val="64BFEC"/>
+              <a:schemeClr val="tx1"/>
+            </a:solidFill>
+          </a:ln>
+        </p:spPr>
+        <p:txBody>
+          <a:bodyPr wrap="square" rtlCol="0">
+            <a:spAutoFit/>
+          </a:bodyPr>
+          <a:lstStyle/>
+          <a:p>
+            <a:pPr algn="ctr"/>
+            <a:r>
+              <a:rPr lang="en-US" sz="2400" dirty="0">
+                <a:solidFill>
+                  <a:srgbClr val="414141"/>
+                </a:solidFill>
+                <a:latin typeface="Open Sans Semibold" panose="020B0706030804020204" pitchFamily="34" charset="0"/>
+                <a:ea typeface="Open Sans Semibold" panose="020B0706030804020204" pitchFamily="34" charset="0"/>
+                <a:cs typeface="Open Sans Semibold" panose="020B0706030804020204" pitchFamily="34" charset="0"/>
+              </a:rPr>
+              <a:t>Dashboard Title</a:t>
+            </a:r>
+          </a:p>
+        </p:txBody>
+      </p:sp>
+      <p:sp>
+        <p:nvSpPr>
+          <p:cNvPr id="5" name="TextBox 4">
+            <a:extLst>
+              <a:ext uri="{FF2B5EF4-FFF2-40B4-BE49-F238E27FC236}">
+                <a16:creationId xmlns:a16="http://schemas.microsoft.com/office/drawing/2014/main" id="{3D0D4FB8-DD08-16A0-269F-F9ADBC04994D}"/>
+              </a:ext>
+            </a:extLst>
+          </p:cNvPr>
+          <p:cNvSpPr txBox="1"/>
+          <p:nvPr/>
+        </p:nvSpPr>
+        <p:spPr>
+          <a:xfrm>
+            <a:off x="6541477" y="3147646"/>
+            <a:ext cx="1248508" cy="461665"/>
+          </a:xfrm>
+          <a:prstGeom prst="rect">
+            <a:avLst/>
+          </a:prstGeom>
+          <a:noFill/>
+          <a:ln>
+            <a:solidFill>
+              <a:schemeClr val="tx1"/>
+            </a:solidFill>
+          </a:ln>
+        </p:spPr>
+        <p:txBody>
+          <a:bodyPr wrap="square" rtlCol="0">
+            <a:spAutoFit/>
+          </a:bodyPr>
+          <a:lstStyle/>
+          <a:p>
+            <a:pPr algn="ctr"/>
+            <a:r>
+              <a:rPr lang="en-US" sz="2400" dirty="0">
+                <a:solidFill>
+                  <a:srgbClr val="414141"/>
+                </a:solidFill>
+                <a:latin typeface="Open Sans Semibold" panose="020B0706030804020204" pitchFamily="34" charset="0"/>
+                <a:ea typeface="Open Sans Semibold" panose="020B0706030804020204" pitchFamily="34" charset="0"/>
+                <a:cs typeface="Open Sans Semibold" panose="020B0706030804020204" pitchFamily="34" charset="0"/>
+              </a:rPr>
+              <a:t>Logo 1</a:t>
+            </a:r>
+          </a:p>
+        </p:txBody>
+      </p:sp>
+      <p:sp>
+        <p:nvSpPr>
+          <p:cNvPr id="6" name="TextBox 5">
+            <a:extLst>
+              <a:ext uri="{FF2B5EF4-FFF2-40B4-BE49-F238E27FC236}">
+                <a16:creationId xmlns:a16="http://schemas.microsoft.com/office/drawing/2014/main" id="{1EEA1FC7-2388-C955-7E4F-069B3A3F9AD2}"/>
+              </a:ext>
+            </a:extLst>
+          </p:cNvPr>
+          <p:cNvSpPr txBox="1"/>
+          <p:nvPr/>
+        </p:nvSpPr>
+        <p:spPr>
+          <a:xfrm>
+            <a:off x="13628076" y="3176954"/>
+            <a:ext cx="1248508" cy="461665"/>
+          </a:xfrm>
+          <a:prstGeom prst="rect">
+            <a:avLst/>
+          </a:prstGeom>
+          <a:noFill/>
+          <a:ln>
+            <a:solidFill>
+              <a:schemeClr val="tx1"/>
+            </a:solidFill>
+          </a:ln>
+        </p:spPr>
+        <p:txBody>
+          <a:bodyPr wrap="square" rtlCol="0">
+            <a:spAutoFit/>
+          </a:bodyPr>
+          <a:lstStyle/>
+          <a:p>
+            <a:pPr algn="ctr"/>
+            <a:r>
+              <a:rPr lang="en-US" sz="2400" dirty="0">
+                <a:solidFill>
+                  <a:srgbClr val="414141"/>
+                </a:solidFill>
+                <a:latin typeface="Open Sans Semibold" panose="020B0706030804020204" pitchFamily="34" charset="0"/>
+                <a:ea typeface="Open Sans Semibold" panose="020B0706030804020204" pitchFamily="34" charset="0"/>
+                <a:cs typeface="Open Sans Semibold" panose="020B0706030804020204" pitchFamily="34" charset="0"/>
+              </a:rPr>
+              <a:t>Logo 1</a:t>
+            </a:r>
+          </a:p>
+        </p:txBody>
+      </p:sp>
+      <p:sp>
+        <p:nvSpPr>
+          <p:cNvPr id="7" name="Rectangle 6">
+            <a:extLst>
+              <a:ext uri="{FF2B5EF4-FFF2-40B4-BE49-F238E27FC236}">
+                <a16:creationId xmlns:a16="http://schemas.microsoft.com/office/drawing/2014/main" id="{08800619-16F0-C3BE-9745-59769D8922CC}"/>
+              </a:ext>
+            </a:extLst>
+          </p:cNvPr>
+          <p:cNvSpPr/>
+          <p:nvPr/>
+        </p:nvSpPr>
+        <p:spPr>
+          <a:xfrm>
+            <a:off x="6330462" y="2848708"/>
+            <a:ext cx="8809892" cy="7543800"/>
+          </a:xfrm>
+          <a:prstGeom prst="rect">
+            <a:avLst/>
+          </a:prstGeom>
+          <a:noFill/>
+          <a:ln>
+            <a:solidFill>
+              <a:schemeClr val="tx1"/>
             </a:solidFill>
           </a:ln>
         </p:spPr>
@@ -4537,16 +6277,20 @@
           <a:lstStyle/>
           <a:p>
             <a:pPr algn="ctr"/>
-            <a:endParaRPr lang="tr-TR"/>
-          </a:p>
-        </p:txBody>
-      </p:sp>
-      <p:sp>
-        <p:nvSpPr>
-          <p:cNvPr id="44" name="TextBox 43">
-            <a:extLst>
-              <a:ext uri="{FF2B5EF4-FFF2-40B4-BE49-F238E27FC236}">
-                <a16:creationId xmlns:a16="http://schemas.microsoft.com/office/drawing/2014/main" id="{4350A713-0FB0-F444-906A-35898174E2F3}"/>
+            <a:endParaRPr lang="en-US">
+              <a:solidFill>
+                <a:schemeClr val="tx1"/>
+              </a:solidFill>
+            </a:endParaRPr>
+          </a:p>
+        </p:txBody>
+      </p:sp>
+      <p:sp>
+        <p:nvSpPr>
+          <p:cNvPr id="8" name="TextBox 7">
+            <a:extLst>
+              <a:ext uri="{FF2B5EF4-FFF2-40B4-BE49-F238E27FC236}">
+                <a16:creationId xmlns:a16="http://schemas.microsoft.com/office/drawing/2014/main" id="{443676D1-4203-9A9D-BA12-9F58C8413140}"/>
               </a:ext>
             </a:extLst>
           </p:cNvPr>
@@ -4555,13 +6299,18 @@
         </p:nvSpPr>
         <p:spPr>
           <a:xfrm>
-            <a:off x="4162477" y="5960804"/>
-            <a:ext cx="4639450" cy="461665"/>
+            <a:off x="6541477" y="3886200"/>
+            <a:ext cx="8335107" cy="461665"/>
           </a:xfrm>
           <a:prstGeom prst="rect">
             <a:avLst/>
           </a:prstGeom>
           <a:noFill/>
+          <a:ln>
+            <a:solidFill>
+              <a:schemeClr val="tx1"/>
+            </a:solidFill>
+          </a:ln>
         </p:spPr>
         <p:txBody>
           <a:bodyPr wrap="square" rtlCol="0">
@@ -4571,75 +6320,645 @@
           <a:p>
             <a:pPr algn="ctr"/>
             <a:r>
-              <a:rPr lang="tr-TR" sz="2400" dirty="0">
-                <a:solidFill>
-                  <a:schemeClr val="tx1">
-                    <a:lumMod val="75000"/>
-                    <a:lumOff val="25000"/>
-                  </a:schemeClr>
-                </a:solidFill>
-                <a:latin typeface="Nunito Sans" pitchFamily="2" charset="77"/>
-                <a:ea typeface="Open Sans" panose="020B0606030504020204" pitchFamily="34" charset="0"/>
-                <a:cs typeface="Open Sans" panose="020B0606030504020204" pitchFamily="34" charset="0"/>
-                <a:hlinkClick r:id="rId3"/>
-              </a:rPr>
-              <a:t>https://twitter.com/txst_thr</a:t>
-            </a:r>
-            <a:r>
               <a:rPr lang="en-US" sz="2400" dirty="0">
                 <a:solidFill>
-                  <a:schemeClr val="tx1">
-                    <a:lumMod val="75000"/>
-                    <a:lumOff val="25000"/>
-                  </a:schemeClr>
+                  <a:srgbClr val="414141"/>
                 </a:solidFill>
-                <a:latin typeface="Nunito Sans" pitchFamily="2" charset="77"/>
-                <a:ea typeface="Open Sans" panose="020B0606030504020204" pitchFamily="34" charset="0"/>
-                <a:cs typeface="Open Sans" panose="020B0606030504020204" pitchFamily="34" charset="0"/>
+                <a:latin typeface="Open Sans Semibold" panose="020B0706030804020204" pitchFamily="34" charset="0"/>
+                <a:ea typeface="Open Sans Semibold" panose="020B0706030804020204" pitchFamily="34" charset="0"/>
+                <a:cs typeface="Open Sans Semibold" panose="020B0706030804020204" pitchFamily="34" charset="0"/>
               </a:rPr>
-              <a:t> </a:t>
-            </a:r>
-            <a:endParaRPr lang="tr-TR" sz="2400" dirty="0">
-              <a:solidFill>
-                <a:schemeClr val="tx1">
-                  <a:lumMod val="75000"/>
-                  <a:lumOff val="25000"/>
-                </a:schemeClr>
-              </a:solidFill>
-              <a:latin typeface="Nunito Sans" pitchFamily="2" charset="77"/>
-              <a:ea typeface="Open Sans" panose="020B0606030504020204" pitchFamily="34" charset="0"/>
-              <a:cs typeface="Open Sans" panose="020B0606030504020204" pitchFamily="34" charset="0"/>
-            </a:endParaRPr>
-          </a:p>
-        </p:txBody>
-      </p:sp>
-      <p:sp>
-        <p:nvSpPr>
-          <p:cNvPr id="19" name="Oval 18">
-            <a:extLst>
-              <a:ext uri="{FF2B5EF4-FFF2-40B4-BE49-F238E27FC236}">
-                <a16:creationId xmlns:a16="http://schemas.microsoft.com/office/drawing/2014/main" id="{369F3ED0-D89F-8D42-B683-9AF20F48C112}"/>
-              </a:ext>
-              <a:ext uri="{C183D7F6-B498-43B3-948B-1728B52AA6E4}">
-                <adec:decorative xmlns:adec="http://schemas.microsoft.com/office/drawing/2017/decorative" val="0"/>
-              </a:ext>
-            </a:extLst>
-          </p:cNvPr>
-          <p:cNvSpPr/>
+              <a:t>Navigation Menu</a:t>
+            </a:r>
+          </a:p>
+        </p:txBody>
+      </p:sp>
+      <p:sp>
+        <p:nvSpPr>
+          <p:cNvPr id="9" name="TextBox 8">
+            <a:extLst>
+              <a:ext uri="{FF2B5EF4-FFF2-40B4-BE49-F238E27FC236}">
+                <a16:creationId xmlns:a16="http://schemas.microsoft.com/office/drawing/2014/main" id="{331D56BC-963C-3458-AACD-2895EE212026}"/>
+              </a:ext>
+            </a:extLst>
+          </p:cNvPr>
+          <p:cNvSpPr txBox="1"/>
           <p:nvPr/>
         </p:nvSpPr>
         <p:spPr>
           <a:xfrm>
-            <a:off x="11326437" y="3371966"/>
-            <a:ext cx="2103120" cy="2103120"/>
-          </a:xfrm>
-          <a:prstGeom prst="ellipse">
+            <a:off x="10832123" y="4554415"/>
+            <a:ext cx="4044461" cy="4893647"/>
+          </a:xfrm>
+          <a:prstGeom prst="rect">
             <a:avLst/>
           </a:prstGeom>
           <a:noFill/>
-          <a:ln w="38100">
+          <a:ln>
             <a:solidFill>
-              <a:srgbClr val="3B8686"/>
+              <a:schemeClr val="tx1"/>
+            </a:solidFill>
+          </a:ln>
+        </p:spPr>
+        <p:txBody>
+          <a:bodyPr wrap="square" rtlCol="0">
+            <a:spAutoFit/>
+          </a:bodyPr>
+          <a:lstStyle/>
+          <a:p>
+            <a:pPr algn="ctr"/>
+            <a:endParaRPr lang="en-US" sz="2400" dirty="0">
+              <a:solidFill>
+                <a:srgbClr val="414141"/>
+              </a:solidFill>
+              <a:latin typeface="Open Sans Semibold" panose="020B0706030804020204" pitchFamily="34" charset="0"/>
+              <a:ea typeface="Open Sans Semibold" panose="020B0706030804020204" pitchFamily="34" charset="0"/>
+              <a:cs typeface="Open Sans Semibold" panose="020B0706030804020204" pitchFamily="34" charset="0"/>
+            </a:endParaRPr>
+          </a:p>
+          <a:p>
+            <a:pPr algn="ctr"/>
+            <a:endParaRPr lang="en-US" sz="2400" dirty="0">
+              <a:solidFill>
+                <a:srgbClr val="414141"/>
+              </a:solidFill>
+              <a:latin typeface="Open Sans Semibold" panose="020B0706030804020204" pitchFamily="34" charset="0"/>
+              <a:ea typeface="Open Sans Semibold" panose="020B0706030804020204" pitchFamily="34" charset="0"/>
+              <a:cs typeface="Open Sans Semibold" panose="020B0706030804020204" pitchFamily="34" charset="0"/>
+            </a:endParaRPr>
+          </a:p>
+          <a:p>
+            <a:pPr algn="ctr"/>
+            <a:endParaRPr lang="en-US" sz="2400" dirty="0">
+              <a:solidFill>
+                <a:srgbClr val="414141"/>
+              </a:solidFill>
+              <a:latin typeface="Open Sans Semibold" panose="020B0706030804020204" pitchFamily="34" charset="0"/>
+              <a:ea typeface="Open Sans Semibold" panose="020B0706030804020204" pitchFamily="34" charset="0"/>
+              <a:cs typeface="Open Sans Semibold" panose="020B0706030804020204" pitchFamily="34" charset="0"/>
+            </a:endParaRPr>
+          </a:p>
+          <a:p>
+            <a:pPr algn="ctr"/>
+            <a:endParaRPr lang="en-US" sz="2400" dirty="0">
+              <a:solidFill>
+                <a:srgbClr val="414141"/>
+              </a:solidFill>
+              <a:latin typeface="Open Sans Semibold" panose="020B0706030804020204" pitchFamily="34" charset="0"/>
+              <a:ea typeface="Open Sans Semibold" panose="020B0706030804020204" pitchFamily="34" charset="0"/>
+              <a:cs typeface="Open Sans Semibold" panose="020B0706030804020204" pitchFamily="34" charset="0"/>
+            </a:endParaRPr>
+          </a:p>
+          <a:p>
+            <a:pPr algn="ctr"/>
+            <a:endParaRPr lang="en-US" sz="2400" dirty="0">
+              <a:solidFill>
+                <a:srgbClr val="414141"/>
+              </a:solidFill>
+              <a:latin typeface="Open Sans Semibold" panose="020B0706030804020204" pitchFamily="34" charset="0"/>
+              <a:ea typeface="Open Sans Semibold" panose="020B0706030804020204" pitchFamily="34" charset="0"/>
+              <a:cs typeface="Open Sans Semibold" panose="020B0706030804020204" pitchFamily="34" charset="0"/>
+            </a:endParaRPr>
+          </a:p>
+          <a:p>
+            <a:pPr algn="ctr"/>
+            <a:r>
+              <a:rPr lang="en-US" sz="2400" dirty="0">
+                <a:solidFill>
+                  <a:srgbClr val="414141"/>
+                </a:solidFill>
+                <a:latin typeface="Open Sans Semibold" panose="020B0706030804020204" pitchFamily="34" charset="0"/>
+                <a:ea typeface="Open Sans Semibold" panose="020B0706030804020204" pitchFamily="34" charset="0"/>
+                <a:cs typeface="Open Sans Semibold" panose="020B0706030804020204" pitchFamily="34" charset="0"/>
+              </a:rPr>
+              <a:t>About/how to use the dashboard</a:t>
+            </a:r>
+          </a:p>
+          <a:p>
+            <a:pPr algn="ctr"/>
+            <a:endParaRPr lang="en-US" sz="2400" dirty="0">
+              <a:solidFill>
+                <a:srgbClr val="414141"/>
+              </a:solidFill>
+              <a:latin typeface="Open Sans Semibold" panose="020B0706030804020204" pitchFamily="34" charset="0"/>
+              <a:ea typeface="Open Sans Semibold" panose="020B0706030804020204" pitchFamily="34" charset="0"/>
+              <a:cs typeface="Open Sans Semibold" panose="020B0706030804020204" pitchFamily="34" charset="0"/>
+            </a:endParaRPr>
+          </a:p>
+          <a:p>
+            <a:pPr algn="ctr"/>
+            <a:r>
+              <a:rPr lang="en-US" sz="2400" dirty="0">
+                <a:solidFill>
+                  <a:srgbClr val="414141"/>
+                </a:solidFill>
+                <a:latin typeface="Open Sans Semibold" panose="020B0706030804020204" pitchFamily="34" charset="0"/>
+                <a:ea typeface="Open Sans Semibold" panose="020B0706030804020204" pitchFamily="34" charset="0"/>
+                <a:cs typeface="Open Sans Semibold" panose="020B0706030804020204" pitchFamily="34" charset="0"/>
+              </a:rPr>
+              <a:t>Disclaimers can go here as well</a:t>
+            </a:r>
+          </a:p>
+          <a:p>
+            <a:pPr algn="ctr"/>
+            <a:endParaRPr lang="en-US" sz="2400" dirty="0">
+              <a:solidFill>
+                <a:srgbClr val="414141"/>
+              </a:solidFill>
+              <a:latin typeface="Open Sans Semibold" panose="020B0706030804020204" pitchFamily="34" charset="0"/>
+              <a:ea typeface="Open Sans Semibold" panose="020B0706030804020204" pitchFamily="34" charset="0"/>
+              <a:cs typeface="Open Sans Semibold" panose="020B0706030804020204" pitchFamily="34" charset="0"/>
+            </a:endParaRPr>
+          </a:p>
+          <a:p>
+            <a:pPr algn="ctr"/>
+            <a:endParaRPr lang="en-US" sz="2400" dirty="0">
+              <a:solidFill>
+                <a:srgbClr val="414141"/>
+              </a:solidFill>
+              <a:latin typeface="Open Sans Semibold" panose="020B0706030804020204" pitchFamily="34" charset="0"/>
+              <a:ea typeface="Open Sans Semibold" panose="020B0706030804020204" pitchFamily="34" charset="0"/>
+              <a:cs typeface="Open Sans Semibold" panose="020B0706030804020204" pitchFamily="34" charset="0"/>
+            </a:endParaRPr>
+          </a:p>
+          <a:p>
+            <a:pPr algn="ctr"/>
+            <a:endParaRPr lang="en-US" sz="2400" dirty="0">
+              <a:solidFill>
+                <a:srgbClr val="414141"/>
+              </a:solidFill>
+              <a:latin typeface="Open Sans Semibold" panose="020B0706030804020204" pitchFamily="34" charset="0"/>
+              <a:ea typeface="Open Sans Semibold" panose="020B0706030804020204" pitchFamily="34" charset="0"/>
+              <a:cs typeface="Open Sans Semibold" panose="020B0706030804020204" pitchFamily="34" charset="0"/>
+            </a:endParaRPr>
+          </a:p>
+        </p:txBody>
+      </p:sp>
+      <p:sp>
+        <p:nvSpPr>
+          <p:cNvPr id="11" name="TextBox 10">
+            <a:extLst>
+              <a:ext uri="{FF2B5EF4-FFF2-40B4-BE49-F238E27FC236}">
+                <a16:creationId xmlns:a16="http://schemas.microsoft.com/office/drawing/2014/main" id="{6B6A95D0-9D41-29A5-FEFB-9CFE94CD84F3}"/>
+              </a:ext>
+            </a:extLst>
+          </p:cNvPr>
+          <p:cNvSpPr txBox="1"/>
+          <p:nvPr/>
+        </p:nvSpPr>
+        <p:spPr>
+          <a:xfrm>
+            <a:off x="6541477" y="4554415"/>
+            <a:ext cx="4044461" cy="4893647"/>
+          </a:xfrm>
+          <a:prstGeom prst="rect">
+            <a:avLst/>
+          </a:prstGeom>
+          <a:noFill/>
+          <a:ln>
+            <a:solidFill>
+              <a:schemeClr val="tx1"/>
+            </a:solidFill>
+          </a:ln>
+        </p:spPr>
+        <p:txBody>
+          <a:bodyPr wrap="square" rtlCol="0">
+            <a:spAutoFit/>
+          </a:bodyPr>
+          <a:lstStyle/>
+          <a:p>
+            <a:pPr algn="ctr"/>
+            <a:endParaRPr lang="en-US" sz="2400" dirty="0">
+              <a:solidFill>
+                <a:srgbClr val="414141"/>
+              </a:solidFill>
+              <a:latin typeface="Open Sans Semibold" panose="020B0706030804020204" pitchFamily="34" charset="0"/>
+              <a:ea typeface="Open Sans Semibold" panose="020B0706030804020204" pitchFamily="34" charset="0"/>
+              <a:cs typeface="Open Sans Semibold" panose="020B0706030804020204" pitchFamily="34" charset="0"/>
+            </a:endParaRPr>
+          </a:p>
+          <a:p>
+            <a:pPr algn="ctr"/>
+            <a:endParaRPr lang="en-US" sz="2400" dirty="0">
+              <a:solidFill>
+                <a:srgbClr val="414141"/>
+              </a:solidFill>
+              <a:latin typeface="Open Sans Semibold" panose="020B0706030804020204" pitchFamily="34" charset="0"/>
+              <a:ea typeface="Open Sans Semibold" panose="020B0706030804020204" pitchFamily="34" charset="0"/>
+              <a:cs typeface="Open Sans Semibold" panose="020B0706030804020204" pitchFamily="34" charset="0"/>
+            </a:endParaRPr>
+          </a:p>
+          <a:p>
+            <a:pPr algn="ctr"/>
+            <a:endParaRPr lang="en-US" sz="2400" dirty="0">
+              <a:solidFill>
+                <a:srgbClr val="414141"/>
+              </a:solidFill>
+              <a:latin typeface="Open Sans Semibold" panose="020B0706030804020204" pitchFamily="34" charset="0"/>
+              <a:ea typeface="Open Sans Semibold" panose="020B0706030804020204" pitchFamily="34" charset="0"/>
+              <a:cs typeface="Open Sans Semibold" panose="020B0706030804020204" pitchFamily="34" charset="0"/>
+            </a:endParaRPr>
+          </a:p>
+          <a:p>
+            <a:pPr algn="ctr"/>
+            <a:endParaRPr lang="en-US" sz="2400" dirty="0">
+              <a:solidFill>
+                <a:srgbClr val="414141"/>
+              </a:solidFill>
+              <a:latin typeface="Open Sans Semibold" panose="020B0706030804020204" pitchFamily="34" charset="0"/>
+              <a:ea typeface="Open Sans Semibold" panose="020B0706030804020204" pitchFamily="34" charset="0"/>
+              <a:cs typeface="Open Sans Semibold" panose="020B0706030804020204" pitchFamily="34" charset="0"/>
+            </a:endParaRPr>
+          </a:p>
+          <a:p>
+            <a:pPr algn="ctr"/>
+            <a:endParaRPr lang="en-US" sz="2400" dirty="0">
+              <a:solidFill>
+                <a:srgbClr val="414141"/>
+              </a:solidFill>
+              <a:latin typeface="Open Sans Semibold" panose="020B0706030804020204" pitchFamily="34" charset="0"/>
+              <a:ea typeface="Open Sans Semibold" panose="020B0706030804020204" pitchFamily="34" charset="0"/>
+              <a:cs typeface="Open Sans Semibold" panose="020B0706030804020204" pitchFamily="34" charset="0"/>
+            </a:endParaRPr>
+          </a:p>
+          <a:p>
+            <a:pPr algn="ctr"/>
+            <a:r>
+              <a:rPr lang="en-US" sz="2400" dirty="0">
+                <a:solidFill>
+                  <a:srgbClr val="414141"/>
+                </a:solidFill>
+                <a:latin typeface="Open Sans Semibold" panose="020B0706030804020204" pitchFamily="34" charset="0"/>
+                <a:ea typeface="Open Sans Semibold" panose="020B0706030804020204" pitchFamily="34" charset="0"/>
+                <a:cs typeface="Open Sans Semibold" panose="020B0706030804020204" pitchFamily="34" charset="0"/>
+              </a:rPr>
+              <a:t>An interesting summary map or picture</a:t>
+            </a:r>
+          </a:p>
+          <a:p>
+            <a:pPr algn="ctr"/>
+            <a:endParaRPr lang="en-US" sz="2400" dirty="0">
+              <a:solidFill>
+                <a:srgbClr val="414141"/>
+              </a:solidFill>
+              <a:latin typeface="Open Sans Semibold" panose="020B0706030804020204" pitchFamily="34" charset="0"/>
+              <a:ea typeface="Open Sans Semibold" panose="020B0706030804020204" pitchFamily="34" charset="0"/>
+              <a:cs typeface="Open Sans Semibold" panose="020B0706030804020204" pitchFamily="34" charset="0"/>
+            </a:endParaRPr>
+          </a:p>
+          <a:p>
+            <a:pPr algn="ctr"/>
+            <a:endParaRPr lang="en-US" sz="2400" dirty="0">
+              <a:solidFill>
+                <a:srgbClr val="414141"/>
+              </a:solidFill>
+              <a:latin typeface="Open Sans Semibold" panose="020B0706030804020204" pitchFamily="34" charset="0"/>
+              <a:ea typeface="Open Sans Semibold" panose="020B0706030804020204" pitchFamily="34" charset="0"/>
+              <a:cs typeface="Open Sans Semibold" panose="020B0706030804020204" pitchFamily="34" charset="0"/>
+            </a:endParaRPr>
+          </a:p>
+          <a:p>
+            <a:pPr algn="ctr"/>
+            <a:endParaRPr lang="en-US" sz="2400" dirty="0">
+              <a:solidFill>
+                <a:srgbClr val="414141"/>
+              </a:solidFill>
+              <a:latin typeface="Open Sans Semibold" panose="020B0706030804020204" pitchFamily="34" charset="0"/>
+              <a:ea typeface="Open Sans Semibold" panose="020B0706030804020204" pitchFamily="34" charset="0"/>
+              <a:cs typeface="Open Sans Semibold" panose="020B0706030804020204" pitchFamily="34" charset="0"/>
+            </a:endParaRPr>
+          </a:p>
+          <a:p>
+            <a:pPr algn="ctr"/>
+            <a:endParaRPr lang="en-US" sz="2400" dirty="0">
+              <a:solidFill>
+                <a:srgbClr val="414141"/>
+              </a:solidFill>
+              <a:latin typeface="Open Sans Semibold" panose="020B0706030804020204" pitchFamily="34" charset="0"/>
+              <a:ea typeface="Open Sans Semibold" panose="020B0706030804020204" pitchFamily="34" charset="0"/>
+              <a:cs typeface="Open Sans Semibold" panose="020B0706030804020204" pitchFamily="34" charset="0"/>
+            </a:endParaRPr>
+          </a:p>
+          <a:p>
+            <a:pPr algn="ctr"/>
+            <a:endParaRPr lang="en-US" sz="2400" dirty="0">
+              <a:solidFill>
+                <a:srgbClr val="414141"/>
+              </a:solidFill>
+              <a:latin typeface="Open Sans Semibold" panose="020B0706030804020204" pitchFamily="34" charset="0"/>
+              <a:ea typeface="Open Sans Semibold" panose="020B0706030804020204" pitchFamily="34" charset="0"/>
+              <a:cs typeface="Open Sans Semibold" panose="020B0706030804020204" pitchFamily="34" charset="0"/>
+            </a:endParaRPr>
+          </a:p>
+          <a:p>
+            <a:pPr algn="ctr"/>
+            <a:endParaRPr lang="en-US" sz="2400" dirty="0">
+              <a:solidFill>
+                <a:srgbClr val="414141"/>
+              </a:solidFill>
+              <a:latin typeface="Open Sans Semibold" panose="020B0706030804020204" pitchFamily="34" charset="0"/>
+              <a:ea typeface="Open Sans Semibold" panose="020B0706030804020204" pitchFamily="34" charset="0"/>
+              <a:cs typeface="Open Sans Semibold" panose="020B0706030804020204" pitchFamily="34" charset="0"/>
+            </a:endParaRPr>
+          </a:p>
+        </p:txBody>
+      </p:sp>
+      <p:sp>
+        <p:nvSpPr>
+          <p:cNvPr id="12" name="TextBox 11">
+            <a:extLst>
+              <a:ext uri="{FF2B5EF4-FFF2-40B4-BE49-F238E27FC236}">
+                <a16:creationId xmlns:a16="http://schemas.microsoft.com/office/drawing/2014/main" id="{9933DFEF-20A5-4D3F-168E-0480A9BAF6B9}"/>
+              </a:ext>
+            </a:extLst>
+          </p:cNvPr>
+          <p:cNvSpPr txBox="1"/>
+          <p:nvPr/>
+        </p:nvSpPr>
+        <p:spPr>
+          <a:xfrm>
+            <a:off x="6541477" y="9689452"/>
+            <a:ext cx="8335107" cy="461665"/>
+          </a:xfrm>
+          <a:prstGeom prst="rect">
+            <a:avLst/>
+          </a:prstGeom>
+          <a:noFill/>
+          <a:ln>
+            <a:solidFill>
+              <a:schemeClr val="tx1"/>
+            </a:solidFill>
+          </a:ln>
+        </p:spPr>
+        <p:txBody>
+          <a:bodyPr wrap="square" rtlCol="0">
+            <a:spAutoFit/>
+          </a:bodyPr>
+          <a:lstStyle/>
+          <a:p>
+            <a:pPr algn="ctr"/>
+            <a:r>
+              <a:rPr lang="en-US" sz="2400" dirty="0">
+                <a:solidFill>
+                  <a:srgbClr val="414141"/>
+                </a:solidFill>
+                <a:latin typeface="Open Sans Semibold" panose="020B0706030804020204" pitchFamily="34" charset="0"/>
+                <a:ea typeface="Open Sans Semibold" panose="020B0706030804020204" pitchFamily="34" charset="0"/>
+                <a:cs typeface="Open Sans Semibold" panose="020B0706030804020204" pitchFamily="34" charset="0"/>
+              </a:rPr>
+              <a:t>Footer with links to data, code, </a:t>
+            </a:r>
+            <a:r>
+              <a:rPr lang="en-US" sz="2400" dirty="0" err="1">
+                <a:solidFill>
+                  <a:srgbClr val="414141"/>
+                </a:solidFill>
+                <a:latin typeface="Open Sans Semibold" panose="020B0706030804020204" pitchFamily="34" charset="0"/>
+                <a:ea typeface="Open Sans Semibold" panose="020B0706030804020204" pitchFamily="34" charset="0"/>
+                <a:cs typeface="Open Sans Semibold" panose="020B0706030804020204" pitchFamily="34" charset="0"/>
+              </a:rPr>
+              <a:t>etc</a:t>
+            </a:r>
+            <a:r>
+              <a:rPr lang="en-US" sz="2400" dirty="0">
+                <a:solidFill>
+                  <a:srgbClr val="414141"/>
+                </a:solidFill>
+                <a:latin typeface="Open Sans Semibold" panose="020B0706030804020204" pitchFamily="34" charset="0"/>
+                <a:ea typeface="Open Sans Semibold" panose="020B0706030804020204" pitchFamily="34" charset="0"/>
+                <a:cs typeface="Open Sans Semibold" panose="020B0706030804020204" pitchFamily="34" charset="0"/>
+              </a:rPr>
+              <a:t>…</a:t>
+            </a:r>
+          </a:p>
+        </p:txBody>
+      </p:sp>
+    </p:spTree>
+    <p:extLst>
+      <p:ext uri="{BB962C8B-B14F-4D97-AF65-F5344CB8AC3E}">
+        <p14:creationId xmlns:p14="http://schemas.microsoft.com/office/powerpoint/2010/main" val="3261273442"/>
+      </p:ext>
+    </p:extLst>
+  </p:cSld>
+  <p:clrMapOvr>
+    <a:masterClrMapping/>
+  </p:clrMapOvr>
+</p:sld>
+</file>
+
+<file path=ppt/slides/slide7.xml><?xml version="1.0" encoding="utf-8"?>
+<p:sld xmlns:a="http://schemas.openxmlformats.org/drawingml/2006/main" xmlns:r="http://schemas.openxmlformats.org/officeDocument/2006/relationships" xmlns:p="http://schemas.openxmlformats.org/presentationml/2006/main">
+  <p:cSld>
+    <p:spTree>
+      <p:nvGrpSpPr>
+        <p:cNvPr id="1" name=""/>
+        <p:cNvGrpSpPr/>
+        <p:nvPr/>
+      </p:nvGrpSpPr>
+      <p:grpSpPr>
+        <a:xfrm>
+          <a:off x="0" y="0"/>
+          <a:ext cx="0" cy="0"/>
+          <a:chOff x="0" y="0"/>
+          <a:chExt cx="0" cy="0"/>
+        </a:xfrm>
+      </p:grpSpPr>
+      <p:sp>
+        <p:nvSpPr>
+          <p:cNvPr id="2" name="Title 1">
+            <a:extLst>
+              <a:ext uri="{FF2B5EF4-FFF2-40B4-BE49-F238E27FC236}">
+                <a16:creationId xmlns:a16="http://schemas.microsoft.com/office/drawing/2014/main" id="{8A0DF1A5-FAFE-85B0-B420-7CC428BC50C9}"/>
+              </a:ext>
+            </a:extLst>
+          </p:cNvPr>
+          <p:cNvSpPr>
+            <a:spLocks noGrp="1"/>
+          </p:cNvSpPr>
+          <p:nvPr>
+            <p:ph type="title"/>
+          </p:nvPr>
+        </p:nvSpPr>
+        <p:spPr/>
+        <p:txBody>
+          <a:bodyPr/>
+          <a:lstStyle/>
+          <a:p>
+            <a:r>
+              <a:rPr lang="en-US" dirty="0"/>
+              <a:t>DASHBOARD DESIGN</a:t>
+            </a:r>
+          </a:p>
+        </p:txBody>
+      </p:sp>
+      <p:sp>
+        <p:nvSpPr>
+          <p:cNvPr id="4" name="TextBox 3">
+            <a:extLst>
+              <a:ext uri="{FF2B5EF4-FFF2-40B4-BE49-F238E27FC236}">
+                <a16:creationId xmlns:a16="http://schemas.microsoft.com/office/drawing/2014/main" id="{B03C3C8E-E5D8-510B-F4AC-0FC917448C21}"/>
+              </a:ext>
+            </a:extLst>
+          </p:cNvPr>
+          <p:cNvSpPr txBox="1"/>
+          <p:nvPr/>
+        </p:nvSpPr>
+        <p:spPr>
+          <a:xfrm>
+            <a:off x="8212015" y="3147646"/>
+            <a:ext cx="4994031" cy="461665"/>
+          </a:xfrm>
+          <a:prstGeom prst="rect">
+            <a:avLst/>
+          </a:prstGeom>
+          <a:noFill/>
+          <a:ln>
+            <a:solidFill>
+              <a:schemeClr val="tx1"/>
+            </a:solidFill>
+          </a:ln>
+        </p:spPr>
+        <p:txBody>
+          <a:bodyPr wrap="square" rtlCol="0">
+            <a:spAutoFit/>
+          </a:bodyPr>
+          <a:lstStyle/>
+          <a:p>
+            <a:pPr algn="ctr"/>
+            <a:r>
+              <a:rPr lang="en-US" sz="2400" dirty="0">
+                <a:solidFill>
+                  <a:srgbClr val="414141"/>
+                </a:solidFill>
+                <a:latin typeface="Open Sans Semibold" panose="020B0706030804020204" pitchFamily="34" charset="0"/>
+                <a:ea typeface="Open Sans Semibold" panose="020B0706030804020204" pitchFamily="34" charset="0"/>
+                <a:cs typeface="Open Sans Semibold" panose="020B0706030804020204" pitchFamily="34" charset="0"/>
+              </a:rPr>
+              <a:t>Mental Health Resource Map</a:t>
+            </a:r>
+          </a:p>
+        </p:txBody>
+      </p:sp>
+      <p:sp>
+        <p:nvSpPr>
+          <p:cNvPr id="5" name="TextBox 4">
+            <a:extLst>
+              <a:ext uri="{FF2B5EF4-FFF2-40B4-BE49-F238E27FC236}">
+                <a16:creationId xmlns:a16="http://schemas.microsoft.com/office/drawing/2014/main" id="{3D0D4FB8-DD08-16A0-269F-F9ADBC04994D}"/>
+              </a:ext>
+            </a:extLst>
+          </p:cNvPr>
+          <p:cNvSpPr txBox="1"/>
+          <p:nvPr/>
+        </p:nvSpPr>
+        <p:spPr>
+          <a:xfrm>
+            <a:off x="6541477" y="3147646"/>
+            <a:ext cx="1248508" cy="338554"/>
+          </a:xfrm>
+          <a:prstGeom prst="rect">
+            <a:avLst/>
+          </a:prstGeom>
+          <a:noFill/>
+          <a:ln>
+            <a:solidFill>
+              <a:schemeClr val="tx1"/>
+            </a:solidFill>
+          </a:ln>
+        </p:spPr>
+        <p:txBody>
+          <a:bodyPr wrap="square" rtlCol="0">
+            <a:spAutoFit/>
+          </a:bodyPr>
+          <a:lstStyle/>
+          <a:p>
+            <a:pPr algn="ctr"/>
+            <a:r>
+              <a:rPr lang="en-US" sz="1600" dirty="0">
+                <a:solidFill>
+                  <a:srgbClr val="414141"/>
+                </a:solidFill>
+                <a:latin typeface="Open Sans Semibold" panose="020B0706030804020204" pitchFamily="34" charset="0"/>
+                <a:ea typeface="Open Sans Semibold" panose="020B0706030804020204" pitchFamily="34" charset="0"/>
+                <a:cs typeface="Open Sans Semibold" panose="020B0706030804020204" pitchFamily="34" charset="0"/>
+              </a:rPr>
+              <a:t>THRC Logo</a:t>
+            </a:r>
+          </a:p>
+        </p:txBody>
+      </p:sp>
+      <p:sp>
+        <p:nvSpPr>
+          <p:cNvPr id="6" name="TextBox 5">
+            <a:extLst>
+              <a:ext uri="{FF2B5EF4-FFF2-40B4-BE49-F238E27FC236}">
+                <a16:creationId xmlns:a16="http://schemas.microsoft.com/office/drawing/2014/main" id="{1EEA1FC7-2388-C955-7E4F-069B3A3F9AD2}"/>
+              </a:ext>
+            </a:extLst>
+          </p:cNvPr>
+          <p:cNvSpPr txBox="1"/>
+          <p:nvPr/>
+        </p:nvSpPr>
+        <p:spPr>
+          <a:xfrm>
+            <a:off x="13628076" y="3176954"/>
+            <a:ext cx="1248508" cy="584775"/>
+          </a:xfrm>
+          <a:prstGeom prst="rect">
+            <a:avLst/>
+          </a:prstGeom>
+          <a:noFill/>
+          <a:ln>
+            <a:solidFill>
+              <a:schemeClr val="tx1"/>
+            </a:solidFill>
+          </a:ln>
+        </p:spPr>
+        <p:txBody>
+          <a:bodyPr wrap="square" rtlCol="0">
+            <a:spAutoFit/>
+          </a:bodyPr>
+          <a:lstStyle/>
+          <a:p>
+            <a:pPr algn="ctr"/>
+            <a:r>
+              <a:rPr lang="en-US" sz="1600" dirty="0">
+                <a:solidFill>
+                  <a:srgbClr val="414141"/>
+                </a:solidFill>
+                <a:latin typeface="Open Sans Semibold" panose="020B0706030804020204" pitchFamily="34" charset="0"/>
+                <a:ea typeface="Open Sans Semibold" panose="020B0706030804020204" pitchFamily="34" charset="0"/>
+                <a:cs typeface="Open Sans Semibold" panose="020B0706030804020204" pitchFamily="34" charset="0"/>
+              </a:rPr>
+              <a:t>Second Logo</a:t>
+            </a:r>
+          </a:p>
+        </p:txBody>
+      </p:sp>
+      <p:sp>
+        <p:nvSpPr>
+          <p:cNvPr id="7" name="Rectangle 6">
+            <a:extLst>
+              <a:ext uri="{FF2B5EF4-FFF2-40B4-BE49-F238E27FC236}">
+                <a16:creationId xmlns:a16="http://schemas.microsoft.com/office/drawing/2014/main" id="{08800619-16F0-C3BE-9745-59769D8922CC}"/>
+              </a:ext>
+            </a:extLst>
+          </p:cNvPr>
+          <p:cNvSpPr/>
+          <p:nvPr/>
+        </p:nvSpPr>
+        <p:spPr>
+          <a:xfrm>
+            <a:off x="6330462" y="2848708"/>
+            <a:ext cx="8809892" cy="7543800"/>
+          </a:xfrm>
+          <a:prstGeom prst="rect">
+            <a:avLst/>
+          </a:prstGeom>
+          <a:noFill/>
+          <a:ln>
+            <a:solidFill>
+              <a:schemeClr val="tx1"/>
             </a:solidFill>
           </a:ln>
         </p:spPr>
@@ -4664,16 +6983,20 @@
           <a:lstStyle/>
           <a:p>
             <a:pPr algn="ctr"/>
-            <a:endParaRPr lang="tr-TR"/>
-          </a:p>
-        </p:txBody>
-      </p:sp>
-      <p:sp>
-        <p:nvSpPr>
-          <p:cNvPr id="41" name="TextBox 40">
-            <a:extLst>
-              <a:ext uri="{FF2B5EF4-FFF2-40B4-BE49-F238E27FC236}">
-                <a16:creationId xmlns:a16="http://schemas.microsoft.com/office/drawing/2014/main" id="{ACF71257-8C07-E244-946D-FFBB011991DF}"/>
+            <a:endParaRPr lang="en-US">
+              <a:solidFill>
+                <a:schemeClr val="tx1"/>
+              </a:solidFill>
+            </a:endParaRPr>
+          </a:p>
+        </p:txBody>
+      </p:sp>
+      <p:sp>
+        <p:nvSpPr>
+          <p:cNvPr id="8" name="TextBox 7">
+            <a:extLst>
+              <a:ext uri="{FF2B5EF4-FFF2-40B4-BE49-F238E27FC236}">
+                <a16:creationId xmlns:a16="http://schemas.microsoft.com/office/drawing/2014/main" id="{443676D1-4203-9A9D-BA12-9F58C8413140}"/>
               </a:ext>
             </a:extLst>
           </p:cNvPr>
@@ -4682,13 +7005,18 @@
         </p:nvSpPr>
         <p:spPr>
           <a:xfrm>
-            <a:off x="10077745" y="5960804"/>
-            <a:ext cx="4600505" cy="461665"/>
+            <a:off x="6541477" y="3886200"/>
+            <a:ext cx="8335107" cy="646331"/>
           </a:xfrm>
           <a:prstGeom prst="rect">
             <a:avLst/>
           </a:prstGeom>
           <a:noFill/>
+          <a:ln>
+            <a:solidFill>
+              <a:schemeClr val="tx1"/>
+            </a:solidFill>
+          </a:ln>
         </p:spPr>
         <p:txBody>
           <a:bodyPr wrap="square" rtlCol="0">
@@ -4698,76 +7026,779 @@
           <a:p>
             <a:pPr algn="ctr"/>
             <a:r>
-              <a:rPr lang="tr-TR" sz="2400" dirty="0">
+              <a:rPr lang="en-US" sz="1800" dirty="0">
                 <a:solidFill>
-                  <a:schemeClr val="tx1">
-                    <a:lumMod val="75000"/>
-                    <a:lumOff val="25000"/>
-                  </a:schemeClr>
+                  <a:srgbClr val="414141"/>
                 </a:solidFill>
-                <a:latin typeface="Nunito Sans" pitchFamily="2" charset="77"/>
-                <a:ea typeface="Open Sans" panose="020B0606030504020204" pitchFamily="34" charset="0"/>
-                <a:cs typeface="Open Sans" panose="020B0606030504020204" pitchFamily="34" charset="0"/>
-                <a:hlinkClick r:id="rId4"/>
+                <a:latin typeface="Open Sans Semibold" panose="020B0706030804020204" pitchFamily="34" charset="0"/>
+                <a:ea typeface="Open Sans Semibold" panose="020B0706030804020204" pitchFamily="34" charset="0"/>
+                <a:cs typeface="Open Sans Semibold" panose="020B0706030804020204" pitchFamily="34" charset="0"/>
               </a:rPr>
-              <a:t>https://healthresearch.txst.edu/</a:t>
-            </a:r>
-            <a:r>
-              <a:rPr lang="en-US" sz="2400" dirty="0">
-                <a:solidFill>
-                  <a:schemeClr val="tx1">
-                    <a:lumMod val="75000"/>
-                    <a:lumOff val="25000"/>
-                  </a:schemeClr>
-                </a:solidFill>
-                <a:latin typeface="Nunito Sans" pitchFamily="2" charset="77"/>
-                <a:ea typeface="Open Sans" panose="020B0606030504020204" pitchFamily="34" charset="0"/>
-                <a:cs typeface="Open Sans" panose="020B0606030504020204" pitchFamily="34" charset="0"/>
-              </a:rPr>
-              <a:t> </a:t>
-            </a:r>
-            <a:endParaRPr lang="tr-TR" sz="2400" dirty="0">
-              <a:solidFill>
-                <a:schemeClr val="tx1">
-                  <a:lumMod val="75000"/>
-                  <a:lumOff val="25000"/>
-                </a:schemeClr>
-              </a:solidFill>
-              <a:latin typeface="Nunito Sans" pitchFamily="2" charset="77"/>
-              <a:ea typeface="Open Sans" panose="020B0606030504020204" pitchFamily="34" charset="0"/>
-              <a:cs typeface="Open Sans" panose="020B0606030504020204" pitchFamily="34" charset="0"/>
-            </a:endParaRPr>
-          </a:p>
-        </p:txBody>
-      </p:sp>
-      <p:sp>
-        <p:nvSpPr>
-          <p:cNvPr id="15" name="Oval 14">
-            <a:extLst>
-              <a:ext uri="{FF2B5EF4-FFF2-40B4-BE49-F238E27FC236}">
-                <a16:creationId xmlns:a16="http://schemas.microsoft.com/office/drawing/2014/main" id="{7461D83F-F181-B947-B59F-18A0DB81AC90}"/>
-              </a:ext>
-              <a:ext uri="{C183D7F6-B498-43B3-948B-1728B52AA6E4}">
-                <adec:decorative xmlns:adec="http://schemas.microsoft.com/office/drawing/2017/decorative" val="0"/>
-              </a:ext>
-            </a:extLst>
-          </p:cNvPr>
-          <p:cNvSpPr/>
+              <a:t>Local Health Authorities | Hotlines | Treatment Facilities | Emergency Rooms | Healthcare Professionals | Home</a:t>
+            </a:r>
+          </a:p>
+        </p:txBody>
+      </p:sp>
+      <p:sp>
+        <p:nvSpPr>
+          <p:cNvPr id="9" name="TextBox 8">
+            <a:extLst>
+              <a:ext uri="{FF2B5EF4-FFF2-40B4-BE49-F238E27FC236}">
+                <a16:creationId xmlns:a16="http://schemas.microsoft.com/office/drawing/2014/main" id="{331D56BC-963C-3458-AACD-2895EE212026}"/>
+              </a:ext>
+            </a:extLst>
+          </p:cNvPr>
+          <p:cNvSpPr txBox="1"/>
           <p:nvPr/>
         </p:nvSpPr>
         <p:spPr>
           <a:xfrm>
-            <a:off x="16955393" y="3371966"/>
-            <a:ext cx="2103120" cy="2103120"/>
-          </a:xfrm>
-          <a:prstGeom prst="ellipse">
+            <a:off x="10832123" y="4672440"/>
+            <a:ext cx="4044461" cy="3046988"/>
+          </a:xfrm>
+          <a:prstGeom prst="rect">
             <a:avLst/>
           </a:prstGeom>
           <a:noFill/>
-          <a:ln w="38100">
+          <a:ln>
             <a:solidFill>
-              <a:srgbClr val="0B486B"/>
+              <a:schemeClr val="tx1"/>
             </a:solidFill>
+          </a:ln>
+        </p:spPr>
+        <p:txBody>
+          <a:bodyPr wrap="square" rtlCol="0">
+            <a:spAutoFit/>
+          </a:bodyPr>
+          <a:lstStyle/>
+          <a:p>
+            <a:pPr algn="ctr"/>
+            <a:endParaRPr lang="en-US" sz="2400" dirty="0">
+              <a:solidFill>
+                <a:srgbClr val="414141"/>
+              </a:solidFill>
+              <a:latin typeface="Open Sans Semibold" panose="020B0706030804020204" pitchFamily="34" charset="0"/>
+              <a:ea typeface="Open Sans Semibold" panose="020B0706030804020204" pitchFamily="34" charset="0"/>
+              <a:cs typeface="Open Sans Semibold" panose="020B0706030804020204" pitchFamily="34" charset="0"/>
+            </a:endParaRPr>
+          </a:p>
+          <a:p>
+            <a:pPr algn="ctr"/>
+            <a:r>
+              <a:rPr lang="en-US" sz="2400" dirty="0">
+                <a:solidFill>
+                  <a:srgbClr val="414141"/>
+                </a:solidFill>
+                <a:latin typeface="Open Sans Semibold" panose="020B0706030804020204" pitchFamily="34" charset="0"/>
+                <a:ea typeface="Open Sans Semibold" panose="020B0706030804020204" pitchFamily="34" charset="0"/>
+                <a:cs typeface="Open Sans Semibold" panose="020B0706030804020204" pitchFamily="34" charset="0"/>
+              </a:rPr>
+              <a:t>About/how to use the dashboard</a:t>
+            </a:r>
+          </a:p>
+          <a:p>
+            <a:pPr algn="ctr"/>
+            <a:endParaRPr lang="en-US" sz="2400" dirty="0">
+              <a:solidFill>
+                <a:srgbClr val="414141"/>
+              </a:solidFill>
+              <a:latin typeface="Open Sans Semibold" panose="020B0706030804020204" pitchFamily="34" charset="0"/>
+              <a:ea typeface="Open Sans Semibold" panose="020B0706030804020204" pitchFamily="34" charset="0"/>
+              <a:cs typeface="Open Sans Semibold" panose="020B0706030804020204" pitchFamily="34" charset="0"/>
+            </a:endParaRPr>
+          </a:p>
+          <a:p>
+            <a:pPr algn="ctr"/>
+            <a:r>
+              <a:rPr lang="en-US" sz="2400" dirty="0">
+                <a:solidFill>
+                  <a:srgbClr val="414141"/>
+                </a:solidFill>
+                <a:latin typeface="Open Sans Semibold" panose="020B0706030804020204" pitchFamily="34" charset="0"/>
+                <a:ea typeface="Open Sans Semibold" panose="020B0706030804020204" pitchFamily="34" charset="0"/>
+                <a:cs typeface="Open Sans Semibold" panose="020B0706030804020204" pitchFamily="34" charset="0"/>
+              </a:rPr>
+              <a:t>Disclaimers can go here as well</a:t>
+            </a:r>
+          </a:p>
+          <a:p>
+            <a:pPr algn="ctr"/>
+            <a:endParaRPr lang="en-US" sz="2400" dirty="0">
+              <a:solidFill>
+                <a:srgbClr val="414141"/>
+              </a:solidFill>
+              <a:latin typeface="Open Sans Semibold" panose="020B0706030804020204" pitchFamily="34" charset="0"/>
+              <a:ea typeface="Open Sans Semibold" panose="020B0706030804020204" pitchFamily="34" charset="0"/>
+              <a:cs typeface="Open Sans Semibold" panose="020B0706030804020204" pitchFamily="34" charset="0"/>
+            </a:endParaRPr>
+          </a:p>
+          <a:p>
+            <a:pPr algn="ctr"/>
+            <a:endParaRPr lang="en-US" sz="2400" dirty="0">
+              <a:solidFill>
+                <a:srgbClr val="414141"/>
+              </a:solidFill>
+              <a:latin typeface="Open Sans Semibold" panose="020B0706030804020204" pitchFamily="34" charset="0"/>
+              <a:ea typeface="Open Sans Semibold" panose="020B0706030804020204" pitchFamily="34" charset="0"/>
+              <a:cs typeface="Open Sans Semibold" panose="020B0706030804020204" pitchFamily="34" charset="0"/>
+            </a:endParaRPr>
+          </a:p>
+        </p:txBody>
+      </p:sp>
+      <p:sp>
+        <p:nvSpPr>
+          <p:cNvPr id="11" name="TextBox 10">
+            <a:extLst>
+              <a:ext uri="{FF2B5EF4-FFF2-40B4-BE49-F238E27FC236}">
+                <a16:creationId xmlns:a16="http://schemas.microsoft.com/office/drawing/2014/main" id="{6B6A95D0-9D41-29A5-FEFB-9CFE94CD84F3}"/>
+              </a:ext>
+            </a:extLst>
+          </p:cNvPr>
+          <p:cNvSpPr txBox="1"/>
+          <p:nvPr/>
+        </p:nvSpPr>
+        <p:spPr>
+          <a:xfrm>
+            <a:off x="6559062" y="4672440"/>
+            <a:ext cx="4044461" cy="4524315"/>
+          </a:xfrm>
+          <a:prstGeom prst="rect">
+            <a:avLst/>
+          </a:prstGeom>
+          <a:noFill/>
+          <a:ln>
+            <a:solidFill>
+              <a:schemeClr val="tx1"/>
+            </a:solidFill>
+          </a:ln>
+        </p:spPr>
+        <p:txBody>
+          <a:bodyPr wrap="square" rtlCol="0">
+            <a:spAutoFit/>
+          </a:bodyPr>
+          <a:lstStyle/>
+          <a:p>
+            <a:pPr algn="ctr"/>
+            <a:endParaRPr lang="en-US" sz="2400" dirty="0">
+              <a:solidFill>
+                <a:srgbClr val="414141"/>
+              </a:solidFill>
+              <a:latin typeface="Open Sans Semibold" panose="020B0706030804020204" pitchFamily="34" charset="0"/>
+              <a:ea typeface="Open Sans Semibold" panose="020B0706030804020204" pitchFamily="34" charset="0"/>
+              <a:cs typeface="Open Sans Semibold" panose="020B0706030804020204" pitchFamily="34" charset="0"/>
+            </a:endParaRPr>
+          </a:p>
+          <a:p>
+            <a:pPr algn="ctr"/>
+            <a:endParaRPr lang="en-US" sz="2400" dirty="0">
+              <a:solidFill>
+                <a:srgbClr val="414141"/>
+              </a:solidFill>
+              <a:latin typeface="Open Sans Semibold" panose="020B0706030804020204" pitchFamily="34" charset="0"/>
+              <a:ea typeface="Open Sans Semibold" panose="020B0706030804020204" pitchFamily="34" charset="0"/>
+              <a:cs typeface="Open Sans Semibold" panose="020B0706030804020204" pitchFamily="34" charset="0"/>
+            </a:endParaRPr>
+          </a:p>
+          <a:p>
+            <a:pPr algn="ctr"/>
+            <a:endParaRPr lang="en-US" sz="2400" dirty="0">
+              <a:solidFill>
+                <a:srgbClr val="414141"/>
+              </a:solidFill>
+              <a:latin typeface="Open Sans Semibold" panose="020B0706030804020204" pitchFamily="34" charset="0"/>
+              <a:ea typeface="Open Sans Semibold" panose="020B0706030804020204" pitchFamily="34" charset="0"/>
+              <a:cs typeface="Open Sans Semibold" panose="020B0706030804020204" pitchFamily="34" charset="0"/>
+            </a:endParaRPr>
+          </a:p>
+          <a:p>
+            <a:pPr algn="ctr"/>
+            <a:endParaRPr lang="en-US" sz="2400" dirty="0">
+              <a:solidFill>
+                <a:srgbClr val="414141"/>
+              </a:solidFill>
+              <a:latin typeface="Open Sans Semibold" panose="020B0706030804020204" pitchFamily="34" charset="0"/>
+              <a:ea typeface="Open Sans Semibold" panose="020B0706030804020204" pitchFamily="34" charset="0"/>
+              <a:cs typeface="Open Sans Semibold" panose="020B0706030804020204" pitchFamily="34" charset="0"/>
+            </a:endParaRPr>
+          </a:p>
+          <a:p>
+            <a:pPr algn="ctr"/>
+            <a:endParaRPr lang="en-US" sz="2400" dirty="0">
+              <a:solidFill>
+                <a:srgbClr val="414141"/>
+              </a:solidFill>
+              <a:latin typeface="Open Sans Semibold" panose="020B0706030804020204" pitchFamily="34" charset="0"/>
+              <a:ea typeface="Open Sans Semibold" panose="020B0706030804020204" pitchFamily="34" charset="0"/>
+              <a:cs typeface="Open Sans Semibold" panose="020B0706030804020204" pitchFamily="34" charset="0"/>
+            </a:endParaRPr>
+          </a:p>
+          <a:p>
+            <a:pPr algn="ctr"/>
+            <a:r>
+              <a:rPr lang="en-US" sz="2400" dirty="0">
+                <a:solidFill>
+                  <a:srgbClr val="414141"/>
+                </a:solidFill>
+                <a:latin typeface="Open Sans Semibold" panose="020B0706030804020204" pitchFamily="34" charset="0"/>
+                <a:ea typeface="Open Sans Semibold" panose="020B0706030804020204" pitchFamily="34" charset="0"/>
+                <a:cs typeface="Open Sans Semibold" panose="020B0706030804020204" pitchFamily="34" charset="0"/>
+              </a:rPr>
+              <a:t>An interesting summary map or picture</a:t>
+            </a:r>
+          </a:p>
+          <a:p>
+            <a:pPr algn="ctr"/>
+            <a:endParaRPr lang="en-US" sz="2400" dirty="0">
+              <a:solidFill>
+                <a:srgbClr val="414141"/>
+              </a:solidFill>
+              <a:latin typeface="Open Sans Semibold" panose="020B0706030804020204" pitchFamily="34" charset="0"/>
+              <a:ea typeface="Open Sans Semibold" panose="020B0706030804020204" pitchFamily="34" charset="0"/>
+              <a:cs typeface="Open Sans Semibold" panose="020B0706030804020204" pitchFamily="34" charset="0"/>
+            </a:endParaRPr>
+          </a:p>
+          <a:p>
+            <a:pPr algn="ctr"/>
+            <a:endParaRPr lang="en-US" sz="2400" dirty="0">
+              <a:solidFill>
+                <a:srgbClr val="414141"/>
+              </a:solidFill>
+              <a:latin typeface="Open Sans Semibold" panose="020B0706030804020204" pitchFamily="34" charset="0"/>
+              <a:ea typeface="Open Sans Semibold" panose="020B0706030804020204" pitchFamily="34" charset="0"/>
+              <a:cs typeface="Open Sans Semibold" panose="020B0706030804020204" pitchFamily="34" charset="0"/>
+            </a:endParaRPr>
+          </a:p>
+          <a:p>
+            <a:pPr algn="ctr"/>
+            <a:endParaRPr lang="en-US" sz="2400" dirty="0">
+              <a:solidFill>
+                <a:srgbClr val="414141"/>
+              </a:solidFill>
+              <a:latin typeface="Open Sans Semibold" panose="020B0706030804020204" pitchFamily="34" charset="0"/>
+              <a:ea typeface="Open Sans Semibold" panose="020B0706030804020204" pitchFamily="34" charset="0"/>
+              <a:cs typeface="Open Sans Semibold" panose="020B0706030804020204" pitchFamily="34" charset="0"/>
+            </a:endParaRPr>
+          </a:p>
+          <a:p>
+            <a:pPr algn="ctr"/>
+            <a:endParaRPr lang="en-US" sz="2400" dirty="0">
+              <a:solidFill>
+                <a:srgbClr val="414141"/>
+              </a:solidFill>
+              <a:latin typeface="Open Sans Semibold" panose="020B0706030804020204" pitchFamily="34" charset="0"/>
+              <a:ea typeface="Open Sans Semibold" panose="020B0706030804020204" pitchFamily="34" charset="0"/>
+              <a:cs typeface="Open Sans Semibold" panose="020B0706030804020204" pitchFamily="34" charset="0"/>
+            </a:endParaRPr>
+          </a:p>
+          <a:p>
+            <a:pPr algn="ctr"/>
+            <a:endParaRPr lang="en-US" sz="2400" dirty="0">
+              <a:solidFill>
+                <a:srgbClr val="414141"/>
+              </a:solidFill>
+              <a:latin typeface="Open Sans Semibold" panose="020B0706030804020204" pitchFamily="34" charset="0"/>
+              <a:ea typeface="Open Sans Semibold" panose="020B0706030804020204" pitchFamily="34" charset="0"/>
+              <a:cs typeface="Open Sans Semibold" panose="020B0706030804020204" pitchFamily="34" charset="0"/>
+            </a:endParaRPr>
+          </a:p>
+        </p:txBody>
+      </p:sp>
+      <p:sp>
+        <p:nvSpPr>
+          <p:cNvPr id="12" name="TextBox 11">
+            <a:extLst>
+              <a:ext uri="{FF2B5EF4-FFF2-40B4-BE49-F238E27FC236}">
+                <a16:creationId xmlns:a16="http://schemas.microsoft.com/office/drawing/2014/main" id="{9933DFEF-20A5-4D3F-168E-0480A9BAF6B9}"/>
+              </a:ext>
+            </a:extLst>
+          </p:cNvPr>
+          <p:cNvSpPr txBox="1"/>
+          <p:nvPr/>
+        </p:nvSpPr>
+        <p:spPr>
+          <a:xfrm>
+            <a:off x="6541477" y="9689452"/>
+            <a:ext cx="8335107" cy="461665"/>
+          </a:xfrm>
+          <a:prstGeom prst="rect">
+            <a:avLst/>
+          </a:prstGeom>
+          <a:noFill/>
+          <a:ln>
+            <a:solidFill>
+              <a:schemeClr val="tx1"/>
+            </a:solidFill>
+          </a:ln>
+        </p:spPr>
+        <p:txBody>
+          <a:bodyPr wrap="square" rtlCol="0">
+            <a:spAutoFit/>
+          </a:bodyPr>
+          <a:lstStyle/>
+          <a:p>
+            <a:pPr algn="ctr"/>
+            <a:r>
+              <a:rPr lang="en-US" sz="2400" dirty="0">
+                <a:solidFill>
+                  <a:srgbClr val="414141"/>
+                </a:solidFill>
+                <a:latin typeface="Open Sans Semibold" panose="020B0706030804020204" pitchFamily="34" charset="0"/>
+                <a:ea typeface="Open Sans Semibold" panose="020B0706030804020204" pitchFamily="34" charset="0"/>
+                <a:cs typeface="Open Sans Semibold" panose="020B0706030804020204" pitchFamily="34" charset="0"/>
+              </a:rPr>
+              <a:t>Footer with links to data, code, </a:t>
+            </a:r>
+            <a:r>
+              <a:rPr lang="en-US" sz="2400" dirty="0" err="1">
+                <a:solidFill>
+                  <a:srgbClr val="414141"/>
+                </a:solidFill>
+                <a:latin typeface="Open Sans Semibold" panose="020B0706030804020204" pitchFamily="34" charset="0"/>
+                <a:ea typeface="Open Sans Semibold" panose="020B0706030804020204" pitchFamily="34" charset="0"/>
+                <a:cs typeface="Open Sans Semibold" panose="020B0706030804020204" pitchFamily="34" charset="0"/>
+              </a:rPr>
+              <a:t>etc</a:t>
+            </a:r>
+            <a:r>
+              <a:rPr lang="en-US" sz="2400" dirty="0">
+                <a:solidFill>
+                  <a:srgbClr val="414141"/>
+                </a:solidFill>
+                <a:latin typeface="Open Sans Semibold" panose="020B0706030804020204" pitchFamily="34" charset="0"/>
+                <a:ea typeface="Open Sans Semibold" panose="020B0706030804020204" pitchFamily="34" charset="0"/>
+                <a:cs typeface="Open Sans Semibold" panose="020B0706030804020204" pitchFamily="34" charset="0"/>
+              </a:rPr>
+              <a:t>…</a:t>
+            </a:r>
+          </a:p>
+        </p:txBody>
+      </p:sp>
+      <p:sp>
+        <p:nvSpPr>
+          <p:cNvPr id="3" name="TextBox 2">
+            <a:extLst>
+              <a:ext uri="{FF2B5EF4-FFF2-40B4-BE49-F238E27FC236}">
+                <a16:creationId xmlns:a16="http://schemas.microsoft.com/office/drawing/2014/main" id="{9BF995FC-5520-D3D5-7418-781970E94E31}"/>
+              </a:ext>
+            </a:extLst>
+          </p:cNvPr>
+          <p:cNvSpPr txBox="1"/>
+          <p:nvPr/>
+        </p:nvSpPr>
+        <p:spPr>
+          <a:xfrm>
+            <a:off x="10849708" y="8042592"/>
+            <a:ext cx="4044461" cy="461665"/>
+          </a:xfrm>
+          <a:prstGeom prst="rect">
+            <a:avLst/>
+          </a:prstGeom>
+          <a:noFill/>
+          <a:ln>
+            <a:solidFill>
+              <a:schemeClr val="tx1"/>
+            </a:solidFill>
+          </a:ln>
+        </p:spPr>
+        <p:txBody>
+          <a:bodyPr wrap="square" rtlCol="0">
+            <a:spAutoFit/>
+          </a:bodyPr>
+          <a:lstStyle/>
+          <a:p>
+            <a:pPr algn="ctr"/>
+            <a:r>
+              <a:rPr lang="en-US" sz="2400" dirty="0">
+                <a:solidFill>
+                  <a:srgbClr val="414141"/>
+                </a:solidFill>
+                <a:latin typeface="Open Sans Semibold" panose="020B0706030804020204" pitchFamily="34" charset="0"/>
+                <a:ea typeface="Open Sans Semibold" panose="020B0706030804020204" pitchFamily="34" charset="0"/>
+                <a:cs typeface="Open Sans Semibold" panose="020B0706030804020204" pitchFamily="34" charset="0"/>
+              </a:rPr>
+              <a:t>Search by County</a:t>
+            </a:r>
+          </a:p>
+        </p:txBody>
+      </p:sp>
+      <p:sp>
+        <p:nvSpPr>
+          <p:cNvPr id="10" name="TextBox 9">
+            <a:extLst>
+              <a:ext uri="{FF2B5EF4-FFF2-40B4-BE49-F238E27FC236}">
+                <a16:creationId xmlns:a16="http://schemas.microsoft.com/office/drawing/2014/main" id="{764F045D-B9B6-D125-C442-7864C487CBCF}"/>
+              </a:ext>
+            </a:extLst>
+          </p:cNvPr>
+          <p:cNvSpPr txBox="1"/>
+          <p:nvPr/>
+        </p:nvSpPr>
+        <p:spPr>
+          <a:xfrm>
+            <a:off x="10832122" y="8750606"/>
+            <a:ext cx="4044461" cy="461665"/>
+          </a:xfrm>
+          <a:prstGeom prst="rect">
+            <a:avLst/>
+          </a:prstGeom>
+          <a:noFill/>
+          <a:ln>
+            <a:solidFill>
+              <a:schemeClr val="tx1"/>
+            </a:solidFill>
+          </a:ln>
+        </p:spPr>
+        <p:txBody>
+          <a:bodyPr wrap="square" rtlCol="0">
+            <a:spAutoFit/>
+          </a:bodyPr>
+          <a:lstStyle/>
+          <a:p>
+            <a:pPr algn="ctr"/>
+            <a:r>
+              <a:rPr lang="en-US" sz="2400" dirty="0">
+                <a:solidFill>
+                  <a:srgbClr val="414141"/>
+                </a:solidFill>
+                <a:latin typeface="Open Sans Semibold" panose="020B0706030804020204" pitchFamily="34" charset="0"/>
+                <a:ea typeface="Open Sans Semibold" panose="020B0706030804020204" pitchFamily="34" charset="0"/>
+                <a:cs typeface="Open Sans Semibold" panose="020B0706030804020204" pitchFamily="34" charset="0"/>
+              </a:rPr>
+              <a:t>Search by City</a:t>
+            </a:r>
+          </a:p>
+        </p:txBody>
+      </p:sp>
+      <p:pic>
+        <p:nvPicPr>
+          <p:cNvPr id="14" name="Picture 13" descr="Close up of pushpins on roadmap route">
+            <a:extLst>
+              <a:ext uri="{FF2B5EF4-FFF2-40B4-BE49-F238E27FC236}">
+                <a16:creationId xmlns:a16="http://schemas.microsoft.com/office/drawing/2014/main" id="{540E498C-62AD-30A4-A695-7839975C086C}"/>
+              </a:ext>
+            </a:extLst>
+          </p:cNvPr>
+          <p:cNvPicPr>
+            <a:picLocks noChangeAspect="1"/>
+          </p:cNvPicPr>
+          <p:nvPr/>
+        </p:nvPicPr>
+        <p:blipFill>
+          <a:blip r:embed="rId2" cstate="print">
+            <a:extLst>
+              <a:ext uri="{28A0092B-C50C-407E-A947-70E740481C1C}">
+                <a14:useLocalDpi xmlns:a14="http://schemas.microsoft.com/office/drawing/2010/main" val="0"/>
+              </a:ext>
+            </a:extLst>
+          </a:blip>
+          <a:stretch>
+            <a:fillRect/>
+          </a:stretch>
+        </p:blipFill>
+        <p:spPr>
+          <a:xfrm>
+            <a:off x="6604460" y="5542497"/>
+            <a:ext cx="3953664" cy="2631006"/>
+          </a:xfrm>
+          <a:prstGeom prst="rect">
+            <a:avLst/>
+          </a:prstGeom>
+        </p:spPr>
+      </p:pic>
+    </p:spTree>
+    <p:extLst>
+      <p:ext uri="{BB962C8B-B14F-4D97-AF65-F5344CB8AC3E}">
+        <p14:creationId xmlns:p14="http://schemas.microsoft.com/office/powerpoint/2010/main" val="1796609215"/>
+      </p:ext>
+    </p:extLst>
+  </p:cSld>
+  <p:clrMapOvr>
+    <a:masterClrMapping/>
+  </p:clrMapOvr>
+</p:sld>
+</file>
+
+<file path=ppt/slides/slide8.xml><?xml version="1.0" encoding="utf-8"?>
+<p:sld xmlns:a="http://schemas.openxmlformats.org/drawingml/2006/main" xmlns:r="http://schemas.openxmlformats.org/officeDocument/2006/relationships" xmlns:p="http://schemas.openxmlformats.org/presentationml/2006/main">
+  <p:cSld>
+    <p:spTree>
+      <p:nvGrpSpPr>
+        <p:cNvPr id="1" name=""/>
+        <p:cNvGrpSpPr/>
+        <p:nvPr/>
+      </p:nvGrpSpPr>
+      <p:grpSpPr>
+        <a:xfrm>
+          <a:off x="0" y="0"/>
+          <a:ext cx="0" cy="0"/>
+          <a:chOff x="0" y="0"/>
+          <a:chExt cx="0" cy="0"/>
+        </a:xfrm>
+      </p:grpSpPr>
+      <p:sp>
+        <p:nvSpPr>
+          <p:cNvPr id="2" name="Title 1">
+            <a:extLst>
+              <a:ext uri="{FF2B5EF4-FFF2-40B4-BE49-F238E27FC236}">
+                <a16:creationId xmlns:a16="http://schemas.microsoft.com/office/drawing/2014/main" id="{4543B6A4-E0ED-8E9B-B610-48413E7E3771}"/>
+              </a:ext>
+            </a:extLst>
+          </p:cNvPr>
+          <p:cNvSpPr>
+            <a:spLocks noGrp="1"/>
+          </p:cNvSpPr>
+          <p:nvPr>
+            <p:ph type="title"/>
+          </p:nvPr>
+        </p:nvSpPr>
+        <p:spPr/>
+        <p:txBody>
+          <a:bodyPr/>
+          <a:lstStyle/>
+          <a:p>
+            <a:r>
+              <a:rPr lang="en-US" dirty="0"/>
+              <a:t>DATA CLEANING</a:t>
+            </a:r>
+          </a:p>
+        </p:txBody>
+      </p:sp>
+      <p:sp>
+        <p:nvSpPr>
+          <p:cNvPr id="3" name="Text Placeholder 2">
+            <a:extLst>
+              <a:ext uri="{FF2B5EF4-FFF2-40B4-BE49-F238E27FC236}">
+                <a16:creationId xmlns:a16="http://schemas.microsoft.com/office/drawing/2014/main" id="{07BBCE2D-48EA-6851-5F7A-4B0D83D90484}"/>
+              </a:ext>
+            </a:extLst>
+          </p:cNvPr>
+          <p:cNvSpPr>
+            <a:spLocks noGrp="1"/>
+          </p:cNvSpPr>
+          <p:nvPr>
+            <p:ph type="body" sz="quarter" idx="10"/>
+          </p:nvPr>
+        </p:nvSpPr>
+        <p:spPr>
+          <a:xfrm>
+            <a:off x="3048000" y="3147646"/>
+            <a:ext cx="18288000" cy="7012354"/>
+          </a:xfrm>
+        </p:spPr>
+        <p:txBody>
+          <a:bodyPr/>
+          <a:lstStyle/>
+          <a:p>
+            <a:pPr marL="457200" indent="-457200">
+              <a:buFont typeface="Arial" panose="020B0604020202020204" pitchFamily="34" charset="0"/>
+              <a:buChar char="•"/>
+            </a:pPr>
+            <a:r>
+              <a:rPr lang="en-US" sz="3200" dirty="0"/>
+              <a:t>Since we want to be able to filter by city, county, and types of services provided, we want separate columns for city, county, and </a:t>
+            </a:r>
+            <a:r>
+              <a:rPr lang="en-US" sz="3200" b="1" dirty="0"/>
+              <a:t>each type </a:t>
+            </a:r>
+            <a:r>
+              <a:rPr lang="en-US" sz="3200" dirty="0"/>
+              <a:t>of service offered</a:t>
+            </a:r>
+          </a:p>
+          <a:p>
+            <a:pPr marL="457200" indent="-457200">
+              <a:buFont typeface="Arial" panose="020B0604020202020204" pitchFamily="34" charset="0"/>
+              <a:buChar char="•"/>
+            </a:pPr>
+            <a:r>
+              <a:rPr lang="en-US" sz="3200" dirty="0"/>
+              <a:t>We will also want to filter out facilities outside of Texas and other irrelevant facilities</a:t>
+            </a:r>
+          </a:p>
+          <a:p>
+            <a:pPr marL="457200" indent="-457200">
+              <a:buFont typeface="Arial" panose="020B0604020202020204" pitchFamily="34" charset="0"/>
+              <a:buChar char="•"/>
+            </a:pPr>
+            <a:endParaRPr lang="en-US" dirty="0"/>
+          </a:p>
+        </p:txBody>
+      </p:sp>
+      <p:graphicFrame>
+        <p:nvGraphicFramePr>
+          <p:cNvPr id="4" name="Table 4">
+            <a:extLst>
+              <a:ext uri="{FF2B5EF4-FFF2-40B4-BE49-F238E27FC236}">
+                <a16:creationId xmlns:a16="http://schemas.microsoft.com/office/drawing/2014/main" id="{492B5638-2980-7591-BFE6-62024F02973B}"/>
+              </a:ext>
+            </a:extLst>
+          </p:cNvPr>
+          <p:cNvGraphicFramePr>
+            <a:graphicFrameLocks noGrp="1"/>
+          </p:cNvGraphicFramePr>
+          <p:nvPr>
+            <p:extLst>
+              <p:ext uri="{D42A27DB-BD31-4B8C-83A1-F6EECF244321}">
+                <p14:modId xmlns:p14="http://schemas.microsoft.com/office/powerpoint/2010/main" val="1540878575"/>
+              </p:ext>
+            </p:extLst>
+          </p:nvPr>
+        </p:nvGraphicFramePr>
+        <p:xfrm>
+          <a:off x="550980" y="6477031"/>
+          <a:ext cx="8772771" cy="3485239"/>
+        </p:xfrm>
+        <a:graphic>
+          <a:graphicData uri="http://schemas.openxmlformats.org/drawingml/2006/table">
+            <a:tbl>
+              <a:tblPr firstRow="1" bandRow="1">
+                <a:tableStyleId>{5C22544A-7EE6-4342-B048-85BDC9FD1C3A}</a:tableStyleId>
+              </a:tblPr>
+              <a:tblGrid>
+                <a:gridCol w="2924257">
+                  <a:extLst>
+                    <a:ext uri="{9D8B030D-6E8A-4147-A177-3AD203B41FA5}">
+                      <a16:colId xmlns:a16="http://schemas.microsoft.com/office/drawing/2014/main" val="3196018094"/>
+                    </a:ext>
+                  </a:extLst>
+                </a:gridCol>
+                <a:gridCol w="2464450">
+                  <a:extLst>
+                    <a:ext uri="{9D8B030D-6E8A-4147-A177-3AD203B41FA5}">
+                      <a16:colId xmlns:a16="http://schemas.microsoft.com/office/drawing/2014/main" val="1693798774"/>
+                    </a:ext>
+                  </a:extLst>
+                </a:gridCol>
+                <a:gridCol w="3384064">
+                  <a:extLst>
+                    <a:ext uri="{9D8B030D-6E8A-4147-A177-3AD203B41FA5}">
+                      <a16:colId xmlns:a16="http://schemas.microsoft.com/office/drawing/2014/main" val="4162189839"/>
+                    </a:ext>
+                  </a:extLst>
+                </a:gridCol>
+              </a:tblGrid>
+              <a:tr h="1199239">
+                <a:tc>
+                  <a:txBody>
+                    <a:bodyPr/>
+                    <a:lstStyle/>
+                    <a:p>
+                      <a:r>
+                        <a:rPr lang="en-US" dirty="0"/>
+                        <a:t>Facility Name</a:t>
+                      </a:r>
+                    </a:p>
+                  </a:txBody>
+                  <a:tcPr/>
+                </a:tc>
+                <a:tc>
+                  <a:txBody>
+                    <a:bodyPr/>
+                    <a:lstStyle/>
+                    <a:p>
+                      <a:r>
+                        <a:rPr lang="en-US" dirty="0"/>
+                        <a:t>Counties Served</a:t>
+                      </a:r>
+                    </a:p>
+                  </a:txBody>
+                  <a:tcPr/>
+                </a:tc>
+                <a:tc>
+                  <a:txBody>
+                    <a:bodyPr/>
+                    <a:lstStyle/>
+                    <a:p>
+                      <a:r>
+                        <a:rPr lang="en-US" dirty="0"/>
+                        <a:t>Services Offered</a:t>
+                      </a:r>
+                    </a:p>
+                  </a:txBody>
+                  <a:tcPr/>
+                </a:tc>
+                <a:extLst>
+                  <a:ext uri="{0D108BD9-81ED-4DB2-BD59-A6C34878D82A}">
+                    <a16:rowId xmlns:a16="http://schemas.microsoft.com/office/drawing/2014/main" val="2433828523"/>
+                  </a:ext>
+                </a:extLst>
+              </a:tr>
+              <a:tr h="1849836">
+                <a:tc>
+                  <a:txBody>
+                    <a:bodyPr/>
+                    <a:lstStyle/>
+                    <a:p>
+                      <a:r>
+                        <a:rPr lang="en-US" dirty="0"/>
+                        <a:t>Hospital 1</a:t>
+                      </a:r>
+                    </a:p>
+                  </a:txBody>
+                  <a:tcPr/>
+                </a:tc>
+                <a:tc>
+                  <a:txBody>
+                    <a:bodyPr/>
+                    <a:lstStyle/>
+                    <a:p>
+                      <a:r>
+                        <a:rPr lang="en-US" dirty="0"/>
+                        <a:t>Travis and Hays</a:t>
+                      </a:r>
+                    </a:p>
+                  </a:txBody>
+                  <a:tcPr/>
+                </a:tc>
+                <a:tc>
+                  <a:txBody>
+                    <a:bodyPr/>
+                    <a:lstStyle/>
+                    <a:p>
+                      <a:r>
+                        <a:rPr lang="en-US" dirty="0"/>
+                        <a:t>Adolescent and buprenorphine but NOT inpatient</a:t>
+                      </a:r>
+                    </a:p>
+                  </a:txBody>
+                  <a:tcPr/>
+                </a:tc>
+                <a:extLst>
+                  <a:ext uri="{0D108BD9-81ED-4DB2-BD59-A6C34878D82A}">
+                    <a16:rowId xmlns:a16="http://schemas.microsoft.com/office/drawing/2014/main" val="2944668599"/>
+                  </a:ext>
+                </a:extLst>
+              </a:tr>
+            </a:tbl>
+          </a:graphicData>
+        </a:graphic>
+      </p:graphicFrame>
+      <p:sp>
+        <p:nvSpPr>
+          <p:cNvPr id="5" name="Arrow: Right 4">
+            <a:extLst>
+              <a:ext uri="{FF2B5EF4-FFF2-40B4-BE49-F238E27FC236}">
+                <a16:creationId xmlns:a16="http://schemas.microsoft.com/office/drawing/2014/main" id="{96E654DA-5C4C-14F5-3153-27E2D8E68AEE}"/>
+              </a:ext>
+            </a:extLst>
+          </p:cNvPr>
+          <p:cNvSpPr/>
+          <p:nvPr/>
+        </p:nvSpPr>
+        <p:spPr>
+          <a:xfrm>
+            <a:off x="9622692" y="7649307"/>
+            <a:ext cx="1899138" cy="1406769"/>
+          </a:xfrm>
+          <a:prstGeom prst="rightArrow">
+            <a:avLst/>
+          </a:prstGeom>
+          <a:solidFill>
+            <a:srgbClr val="FE6869"/>
+          </a:solidFill>
+          <a:ln>
+            <a:noFill/>
           </a:ln>
         </p:spPr>
         <p:style>
@@ -4791,522 +7822,401 @@
           <a:lstStyle/>
           <a:p>
             <a:pPr algn="ctr"/>
-            <a:endParaRPr lang="tr-TR"/>
-          </a:p>
-        </p:txBody>
-      </p:sp>
-      <p:sp>
-        <p:nvSpPr>
-          <p:cNvPr id="40" name="TextBox 39">
-            <a:extLst>
-              <a:ext uri="{FF2B5EF4-FFF2-40B4-BE49-F238E27FC236}">
-                <a16:creationId xmlns:a16="http://schemas.microsoft.com/office/drawing/2014/main" id="{DFFD99F1-15F0-2840-8E7C-2494738026C3}"/>
-              </a:ext>
-            </a:extLst>
-          </p:cNvPr>
-          <p:cNvSpPr txBox="1"/>
-          <p:nvPr/>
-        </p:nvSpPr>
-        <p:spPr>
-          <a:xfrm>
-            <a:off x="16067870" y="5591473"/>
-            <a:ext cx="3764146" cy="1200329"/>
-          </a:xfrm>
-          <a:prstGeom prst="rect">
-            <a:avLst/>
-          </a:prstGeom>
-          <a:noFill/>
-        </p:spPr>
-        <p:txBody>
-          <a:bodyPr wrap="square" rtlCol="0">
-            <a:spAutoFit/>
-          </a:bodyPr>
-          <a:lstStyle/>
-          <a:p>
-            <a:pPr algn="ctr"/>
-            <a:r>
-              <a:rPr lang="tr-TR" sz="2400" dirty="0">
-                <a:solidFill>
-                  <a:schemeClr val="tx1">
-                    <a:lumMod val="75000"/>
-                    <a:lumOff val="25000"/>
-                  </a:schemeClr>
-                </a:solidFill>
-                <a:latin typeface="Nunito Sans" pitchFamily="2" charset="77"/>
-                <a:ea typeface="Open Sans" panose="020B0606030504020204" pitchFamily="34" charset="0"/>
-                <a:cs typeface="Open Sans" panose="020B0606030504020204" pitchFamily="34" charset="0"/>
-                <a:hlinkClick r:id="rId5"/>
-              </a:rPr>
-              <a:t>https://public.tableau.com/app/profile/translational.health.research.center</a:t>
-            </a:r>
-            <a:r>
-              <a:rPr lang="en-US" sz="2400" dirty="0">
-                <a:solidFill>
-                  <a:schemeClr val="tx1">
-                    <a:lumMod val="75000"/>
-                    <a:lumOff val="25000"/>
-                  </a:schemeClr>
-                </a:solidFill>
-                <a:latin typeface="Nunito Sans" pitchFamily="2" charset="77"/>
-                <a:ea typeface="Open Sans" panose="020B0606030504020204" pitchFamily="34" charset="0"/>
-                <a:cs typeface="Open Sans" panose="020B0606030504020204" pitchFamily="34" charset="0"/>
-              </a:rPr>
-              <a:t> </a:t>
-            </a:r>
-            <a:endParaRPr lang="tr-TR" sz="2400" dirty="0">
+            <a:endParaRPr lang="en-US">
               <a:solidFill>
-                <a:schemeClr val="tx1">
-                  <a:lumMod val="75000"/>
-                  <a:lumOff val="25000"/>
-                </a:schemeClr>
+                <a:schemeClr val="tx1"/>
               </a:solidFill>
-              <a:latin typeface="Nunito Sans" pitchFamily="2" charset="77"/>
-              <a:ea typeface="Open Sans" panose="020B0606030504020204" pitchFamily="34" charset="0"/>
-              <a:cs typeface="Open Sans" panose="020B0606030504020204" pitchFamily="34" charset="0"/>
             </a:endParaRPr>
           </a:p>
         </p:txBody>
       </p:sp>
-      <p:sp>
-        <p:nvSpPr>
-          <p:cNvPr id="36" name="Oval 35">
-            <a:extLst>
-              <a:ext uri="{FF2B5EF4-FFF2-40B4-BE49-F238E27FC236}">
-                <a16:creationId xmlns:a16="http://schemas.microsoft.com/office/drawing/2014/main" id="{CCB2E006-4FEE-F64F-B068-94E244020A02}"/>
-              </a:ext>
-              <a:ext uri="{C183D7F6-B498-43B3-948B-1728B52AA6E4}">
-                <adec:decorative xmlns:adec="http://schemas.microsoft.com/office/drawing/2017/decorative" val="0"/>
-              </a:ext>
-            </a:extLst>
-          </p:cNvPr>
-          <p:cNvSpPr/>
-          <p:nvPr/>
-        </p:nvSpPr>
-        <p:spPr>
-          <a:xfrm>
-            <a:off x="8320511" y="6964565"/>
-            <a:ext cx="2103120" cy="2103120"/>
-          </a:xfrm>
-          <a:prstGeom prst="ellipse">
-            <a:avLst/>
-          </a:prstGeom>
-          <a:noFill/>
-          <a:ln w="38100">
-            <a:solidFill>
-              <a:srgbClr val="64BFEC"/>
-            </a:solidFill>
-          </a:ln>
-        </p:spPr>
-        <p:style>
-          <a:lnRef idx="2">
-            <a:schemeClr val="accent1">
-              <a:shade val="50000"/>
-            </a:schemeClr>
-          </a:lnRef>
-          <a:fillRef idx="1">
-            <a:schemeClr val="accent1"/>
-          </a:fillRef>
-          <a:effectRef idx="0">
-            <a:schemeClr val="accent1"/>
-          </a:effectRef>
-          <a:fontRef idx="minor">
-            <a:schemeClr val="lt1"/>
-          </a:fontRef>
-        </p:style>
-        <p:txBody>
-          <a:bodyPr rtlCol="0" anchor="ctr"/>
-          <a:lstStyle/>
-          <a:p>
-            <a:pPr algn="ctr"/>
-            <a:endParaRPr lang="tr-TR"/>
-          </a:p>
-        </p:txBody>
-      </p:sp>
-      <p:sp>
-        <p:nvSpPr>
-          <p:cNvPr id="43" name="TextBox 42">
-            <a:extLst>
-              <a:ext uri="{FF2B5EF4-FFF2-40B4-BE49-F238E27FC236}">
-                <a16:creationId xmlns:a16="http://schemas.microsoft.com/office/drawing/2014/main" id="{6E551EFB-64D7-CC42-90A1-19E9BC6B7CC9}"/>
-              </a:ext>
-            </a:extLst>
-          </p:cNvPr>
-          <p:cNvSpPr txBox="1"/>
-          <p:nvPr/>
-        </p:nvSpPr>
-        <p:spPr>
-          <a:xfrm>
-            <a:off x="7466545" y="9327104"/>
-            <a:ext cx="3811055" cy="1569660"/>
-          </a:xfrm>
-          <a:prstGeom prst="rect">
-            <a:avLst/>
-          </a:prstGeom>
-          <a:noFill/>
-        </p:spPr>
-        <p:txBody>
-          <a:bodyPr wrap="square" rtlCol="0">
-            <a:spAutoFit/>
-          </a:bodyPr>
-          <a:lstStyle/>
-          <a:p>
-            <a:pPr algn="ctr"/>
-            <a:r>
-              <a:rPr lang="tr-TR" sz="2400" dirty="0">
-                <a:solidFill>
-                  <a:schemeClr val="tx1">
-                    <a:lumMod val="75000"/>
-                    <a:lumOff val="25000"/>
-                  </a:schemeClr>
-                </a:solidFill>
-                <a:latin typeface="Nunito Sans" pitchFamily="2" charset="77"/>
-                <a:ea typeface="Open Sans" panose="020B0606030504020204" pitchFamily="34" charset="0"/>
-                <a:cs typeface="Open Sans" panose="020B0606030504020204" pitchFamily="34" charset="0"/>
-                <a:hlinkClick r:id="rId6"/>
-              </a:rPr>
-              <a:t>https://www.linkedin.com/company/texas-state-university-translational-health-research/</a:t>
-            </a:r>
-            <a:r>
-              <a:rPr lang="en-US" sz="2400" dirty="0">
-                <a:solidFill>
-                  <a:schemeClr val="tx1">
-                    <a:lumMod val="75000"/>
-                    <a:lumOff val="25000"/>
-                  </a:schemeClr>
-                </a:solidFill>
-                <a:latin typeface="Nunito Sans" pitchFamily="2" charset="77"/>
-                <a:ea typeface="Open Sans" panose="020B0606030504020204" pitchFamily="34" charset="0"/>
-                <a:cs typeface="Open Sans" panose="020B0606030504020204" pitchFamily="34" charset="0"/>
-              </a:rPr>
-              <a:t> </a:t>
-            </a:r>
-            <a:endParaRPr lang="tr-TR" sz="2400" dirty="0">
-              <a:solidFill>
-                <a:schemeClr val="tx1">
-                  <a:lumMod val="75000"/>
-                  <a:lumOff val="25000"/>
-                </a:schemeClr>
-              </a:solidFill>
-              <a:latin typeface="Nunito Sans" pitchFamily="2" charset="77"/>
-              <a:ea typeface="Open Sans" panose="020B0606030504020204" pitchFamily="34" charset="0"/>
-              <a:cs typeface="Open Sans" panose="020B0606030504020204" pitchFamily="34" charset="0"/>
-            </a:endParaRPr>
-          </a:p>
-        </p:txBody>
-      </p:sp>
-      <p:sp>
-        <p:nvSpPr>
-          <p:cNvPr id="23" name="Oval 22">
-            <a:extLst>
-              <a:ext uri="{FF2B5EF4-FFF2-40B4-BE49-F238E27FC236}">
-                <a16:creationId xmlns:a16="http://schemas.microsoft.com/office/drawing/2014/main" id="{4C70CCEB-3194-324D-A7E1-5935D922DDF6}"/>
-              </a:ext>
-              <a:ext uri="{C183D7F6-B498-43B3-948B-1728B52AA6E4}">
-                <adec:decorative xmlns:adec="http://schemas.microsoft.com/office/drawing/2017/decorative" val="0"/>
-              </a:ext>
-            </a:extLst>
-          </p:cNvPr>
-          <p:cNvSpPr>
-            <a:spLocks noChangeAspect="1"/>
-          </p:cNvSpPr>
-          <p:nvPr/>
-        </p:nvSpPr>
-        <p:spPr>
-          <a:xfrm>
-            <a:off x="14221372" y="6964565"/>
-            <a:ext cx="2103120" cy="2103120"/>
-          </a:xfrm>
-          <a:prstGeom prst="ellipse">
-            <a:avLst/>
-          </a:prstGeom>
-          <a:noFill/>
-          <a:ln w="38100">
-            <a:solidFill>
-              <a:srgbClr val="DA3248"/>
-            </a:solidFill>
-          </a:ln>
-        </p:spPr>
-        <p:style>
-          <a:lnRef idx="2">
-            <a:schemeClr val="accent1">
-              <a:shade val="50000"/>
-            </a:schemeClr>
-          </a:lnRef>
-          <a:fillRef idx="1">
-            <a:schemeClr val="accent1"/>
-          </a:fillRef>
-          <a:effectRef idx="0">
-            <a:schemeClr val="accent1"/>
-          </a:effectRef>
-          <a:fontRef idx="minor">
-            <a:schemeClr val="lt1"/>
-          </a:fontRef>
-        </p:style>
-        <p:txBody>
-          <a:bodyPr rtlCol="0" anchor="ctr"/>
-          <a:lstStyle/>
-          <a:p>
-            <a:pPr algn="ctr"/>
-            <a:endParaRPr lang="tr-TR"/>
-          </a:p>
-        </p:txBody>
-      </p:sp>
-      <p:sp>
-        <p:nvSpPr>
-          <p:cNvPr id="42" name="TextBox 41">
-            <a:extLst>
-              <a:ext uri="{FF2B5EF4-FFF2-40B4-BE49-F238E27FC236}">
-                <a16:creationId xmlns:a16="http://schemas.microsoft.com/office/drawing/2014/main" id="{BEA21D58-FCF3-BE4B-A946-6524F99C0C77}"/>
-              </a:ext>
-            </a:extLst>
-          </p:cNvPr>
-          <p:cNvSpPr txBox="1"/>
-          <p:nvPr/>
-        </p:nvSpPr>
-        <p:spPr>
-          <a:xfrm>
-            <a:off x="13277058" y="9696435"/>
-            <a:ext cx="3991749" cy="830997"/>
-          </a:xfrm>
-          <a:prstGeom prst="rect">
-            <a:avLst/>
-          </a:prstGeom>
-          <a:noFill/>
-        </p:spPr>
-        <p:txBody>
-          <a:bodyPr wrap="square" rtlCol="0">
-            <a:spAutoFit/>
-          </a:bodyPr>
-          <a:lstStyle/>
-          <a:p>
-            <a:pPr algn="ctr"/>
-            <a:r>
-              <a:rPr lang="tr-TR" sz="2400" dirty="0">
-                <a:solidFill>
-                  <a:schemeClr val="tx1">
-                    <a:lumMod val="75000"/>
-                    <a:lumOff val="25000"/>
-                  </a:schemeClr>
-                </a:solidFill>
-                <a:latin typeface="Nunito Sans" pitchFamily="2" charset="77"/>
-                <a:ea typeface="Open Sans" panose="020B0606030504020204" pitchFamily="34" charset="0"/>
-                <a:cs typeface="Open Sans" panose="020B0606030504020204" pitchFamily="34" charset="0"/>
-                <a:hlinkClick r:id="rId7"/>
-              </a:rPr>
-              <a:t>https://www.youtube.com/@txst_THR</a:t>
-            </a:r>
-            <a:r>
-              <a:rPr lang="en-US" sz="2400" dirty="0">
-                <a:solidFill>
-                  <a:schemeClr val="tx1">
-                    <a:lumMod val="75000"/>
-                    <a:lumOff val="25000"/>
-                  </a:schemeClr>
-                </a:solidFill>
-                <a:latin typeface="Nunito Sans" pitchFamily="2" charset="77"/>
-                <a:ea typeface="Open Sans" panose="020B0606030504020204" pitchFamily="34" charset="0"/>
-                <a:cs typeface="Open Sans" panose="020B0606030504020204" pitchFamily="34" charset="0"/>
-              </a:rPr>
-              <a:t> </a:t>
-            </a:r>
-            <a:endParaRPr lang="tr-TR" sz="2400" dirty="0">
-              <a:solidFill>
-                <a:schemeClr val="tx1">
-                  <a:lumMod val="75000"/>
-                  <a:lumOff val="25000"/>
-                </a:schemeClr>
-              </a:solidFill>
-              <a:latin typeface="Nunito Sans" pitchFamily="2" charset="77"/>
-              <a:ea typeface="Open Sans" panose="020B0606030504020204" pitchFamily="34" charset="0"/>
-              <a:cs typeface="Open Sans" panose="020B0606030504020204" pitchFamily="34" charset="0"/>
-            </a:endParaRPr>
-          </a:p>
-        </p:txBody>
-      </p:sp>
-      <p:pic>
-        <p:nvPicPr>
-          <p:cNvPr id="7" name="Picture 6">
-            <a:extLst>
-              <a:ext uri="{FF2B5EF4-FFF2-40B4-BE49-F238E27FC236}">
-                <a16:creationId xmlns:a16="http://schemas.microsoft.com/office/drawing/2014/main" id="{3CA5B934-A207-C08F-7708-52CE585A6796}"/>
-              </a:ext>
-            </a:extLst>
-          </p:cNvPr>
-          <p:cNvPicPr>
-            <a:picLocks noChangeAspect="1"/>
-          </p:cNvPicPr>
-          <p:nvPr/>
-        </p:nvPicPr>
-        <p:blipFill>
-          <a:blip r:embed="rId8"/>
-          <a:stretch>
-            <a:fillRect/>
-          </a:stretch>
-        </p:blipFill>
-        <p:spPr>
-          <a:xfrm>
-            <a:off x="17286341" y="3702914"/>
-            <a:ext cx="1441224" cy="1441224"/>
-          </a:xfrm>
-          <a:prstGeom prst="rect">
-            <a:avLst/>
-          </a:prstGeom>
-        </p:spPr>
-      </p:pic>
-      <p:pic>
-        <p:nvPicPr>
-          <p:cNvPr id="9" name="Graphic 8" descr="Internet outline">
-            <a:extLst>
-              <a:ext uri="{FF2B5EF4-FFF2-40B4-BE49-F238E27FC236}">
-                <a16:creationId xmlns:a16="http://schemas.microsoft.com/office/drawing/2014/main" id="{86A7CD78-C350-2561-A58C-DC8751140CA5}"/>
-              </a:ext>
-            </a:extLst>
-          </p:cNvPr>
-          <p:cNvPicPr>
-            <a:picLocks noChangeAspect="1"/>
-          </p:cNvPicPr>
-          <p:nvPr/>
-        </p:nvPicPr>
-        <p:blipFill>
-          <a:blip r:embed="rId9">
-            <a:extLst>
-              <a:ext uri="{28A0092B-C50C-407E-A947-70E740481C1C}">
-                <a14:useLocalDpi xmlns:a14="http://schemas.microsoft.com/office/drawing/2010/main" val="0"/>
-              </a:ext>
-              <a:ext uri="{96DAC541-7B7A-43D3-8B79-37D633B846F1}">
-                <asvg:svgBlip xmlns:asvg="http://schemas.microsoft.com/office/drawing/2016/SVG/main" r:embed="rId10"/>
-              </a:ext>
-            </a:extLst>
-          </a:blip>
-          <a:stretch>
-            <a:fillRect/>
-          </a:stretch>
-        </p:blipFill>
-        <p:spPr>
-          <a:xfrm>
-            <a:off x="11699867" y="3745396"/>
-            <a:ext cx="1356260" cy="1356260"/>
-          </a:xfrm>
-          <a:prstGeom prst="rect">
-            <a:avLst/>
-          </a:prstGeom>
-        </p:spPr>
-      </p:pic>
-      <p:pic>
-        <p:nvPicPr>
-          <p:cNvPr id="10" name="Picture 9">
-            <a:extLst>
-              <a:ext uri="{FF2B5EF4-FFF2-40B4-BE49-F238E27FC236}">
-                <a16:creationId xmlns:a16="http://schemas.microsoft.com/office/drawing/2014/main" id="{F9D1169A-20CD-83D9-F342-FD2236BA8B8F}"/>
-              </a:ext>
-            </a:extLst>
-          </p:cNvPr>
-          <p:cNvPicPr>
-            <a:picLocks noChangeAspect="1"/>
-          </p:cNvPicPr>
-          <p:nvPr/>
-        </p:nvPicPr>
-        <p:blipFill>
-          <a:blip r:embed="rId11"/>
-          <a:stretch>
-            <a:fillRect/>
-          </a:stretch>
-        </p:blipFill>
-        <p:spPr>
-          <a:xfrm>
-            <a:off x="5647152" y="3823361"/>
-            <a:ext cx="1459783" cy="1200329"/>
-          </a:xfrm>
-          <a:prstGeom prst="rect">
-            <a:avLst/>
-          </a:prstGeom>
-          <a:solidFill>
-            <a:schemeClr val="bg1"/>
-          </a:solidFill>
-        </p:spPr>
-      </p:pic>
-      <p:pic>
-        <p:nvPicPr>
-          <p:cNvPr id="11" name="Picture 10">
-            <a:extLst>
-              <a:ext uri="{FF2B5EF4-FFF2-40B4-BE49-F238E27FC236}">
-                <a16:creationId xmlns:a16="http://schemas.microsoft.com/office/drawing/2014/main" id="{7EC974B4-2A4D-ED87-50EC-085891D40968}"/>
-              </a:ext>
-            </a:extLst>
-          </p:cNvPr>
-          <p:cNvPicPr>
-            <a:picLocks noChangeAspect="1"/>
-          </p:cNvPicPr>
-          <p:nvPr/>
-        </p:nvPicPr>
-        <p:blipFill>
-          <a:blip r:embed="rId12"/>
-          <a:stretch>
-            <a:fillRect/>
-          </a:stretch>
-        </p:blipFill>
-        <p:spPr>
-          <a:xfrm>
-            <a:off x="8704384" y="7348438"/>
-            <a:ext cx="1335373" cy="1335373"/>
-          </a:xfrm>
-          <a:prstGeom prst="rect">
-            <a:avLst/>
-          </a:prstGeom>
-        </p:spPr>
-      </p:pic>
-      <p:pic>
-        <p:nvPicPr>
-          <p:cNvPr id="14" name="Picture 13">
-            <a:extLst>
-              <a:ext uri="{FF2B5EF4-FFF2-40B4-BE49-F238E27FC236}">
-                <a16:creationId xmlns:a16="http://schemas.microsoft.com/office/drawing/2014/main" id="{CAF38523-F5FE-4ECE-46D7-8D2DEF2F62EF}"/>
-              </a:ext>
-            </a:extLst>
-          </p:cNvPr>
-          <p:cNvPicPr>
-            <a:picLocks noChangeAspect="1"/>
-          </p:cNvPicPr>
-          <p:nvPr/>
-        </p:nvPicPr>
-        <p:blipFill>
-          <a:blip r:embed="rId13"/>
-          <a:stretch>
-            <a:fillRect/>
-          </a:stretch>
-        </p:blipFill>
-        <p:spPr>
-          <a:xfrm>
-            <a:off x="14522126" y="7265318"/>
-            <a:ext cx="1501611" cy="1501611"/>
-          </a:xfrm>
-          <a:prstGeom prst="rect">
-            <a:avLst/>
-          </a:prstGeom>
-        </p:spPr>
-      </p:pic>
+      <p:graphicFrame>
+        <p:nvGraphicFramePr>
+          <p:cNvPr id="6" name="Table 4">
+            <a:extLst>
+              <a:ext uri="{FF2B5EF4-FFF2-40B4-BE49-F238E27FC236}">
+                <a16:creationId xmlns:a16="http://schemas.microsoft.com/office/drawing/2014/main" id="{392DDA03-3015-537D-0CDC-51962896F93E}"/>
+              </a:ext>
+            </a:extLst>
+          </p:cNvPr>
+          <p:cNvGraphicFramePr>
+            <a:graphicFrameLocks noGrp="1"/>
+          </p:cNvGraphicFramePr>
+          <p:nvPr>
+            <p:extLst>
+              <p:ext uri="{D42A27DB-BD31-4B8C-83A1-F6EECF244321}">
+                <p14:modId xmlns:p14="http://schemas.microsoft.com/office/powerpoint/2010/main" val="630235519"/>
+              </p:ext>
+            </p:extLst>
+          </p:nvPr>
+        </p:nvGraphicFramePr>
+        <p:xfrm>
+          <a:off x="11820771" y="6715010"/>
+          <a:ext cx="11781694" cy="3009282"/>
+        </p:xfrm>
+        <a:graphic>
+          <a:graphicData uri="http://schemas.openxmlformats.org/drawingml/2006/table">
+            <a:tbl>
+              <a:tblPr firstRow="1" bandRow="1">
+                <a:tableStyleId>{5C22544A-7EE6-4342-B048-85BDC9FD1C3A}</a:tableStyleId>
+              </a:tblPr>
+              <a:tblGrid>
+                <a:gridCol w="2156959">
+                  <a:extLst>
+                    <a:ext uri="{9D8B030D-6E8A-4147-A177-3AD203B41FA5}">
+                      <a16:colId xmlns:a16="http://schemas.microsoft.com/office/drawing/2014/main" val="3196018094"/>
+                    </a:ext>
+                  </a:extLst>
+                </a:gridCol>
+                <a:gridCol w="2011950">
+                  <a:extLst>
+                    <a:ext uri="{9D8B030D-6E8A-4147-A177-3AD203B41FA5}">
+                      <a16:colId xmlns:a16="http://schemas.microsoft.com/office/drawing/2014/main" val="1693798774"/>
+                    </a:ext>
+                  </a:extLst>
+                </a:gridCol>
+                <a:gridCol w="2410715">
+                  <a:extLst>
+                    <a:ext uri="{9D8B030D-6E8A-4147-A177-3AD203B41FA5}">
+                      <a16:colId xmlns:a16="http://schemas.microsoft.com/office/drawing/2014/main" val="4162189839"/>
+                    </a:ext>
+                  </a:extLst>
+                </a:gridCol>
+                <a:gridCol w="3244496">
+                  <a:extLst>
+                    <a:ext uri="{9D8B030D-6E8A-4147-A177-3AD203B41FA5}">
+                      <a16:colId xmlns:a16="http://schemas.microsoft.com/office/drawing/2014/main" val="4227127742"/>
+                    </a:ext>
+                  </a:extLst>
+                </a:gridCol>
+                <a:gridCol w="1957574">
+                  <a:extLst>
+                    <a:ext uri="{9D8B030D-6E8A-4147-A177-3AD203B41FA5}">
+                      <a16:colId xmlns:a16="http://schemas.microsoft.com/office/drawing/2014/main" val="4080390178"/>
+                    </a:ext>
+                  </a:extLst>
+                </a:gridCol>
+              </a:tblGrid>
+              <a:tr h="1249094">
+                <a:tc>
+                  <a:txBody>
+                    <a:bodyPr/>
+                    <a:lstStyle/>
+                    <a:p>
+                      <a:r>
+                        <a:rPr lang="en-US" dirty="0"/>
+                        <a:t>Facility Name</a:t>
+                      </a:r>
+                    </a:p>
+                  </a:txBody>
+                  <a:tcPr/>
+                </a:tc>
+                <a:tc>
+                  <a:txBody>
+                    <a:bodyPr/>
+                    <a:lstStyle/>
+                    <a:p>
+                      <a:r>
+                        <a:rPr lang="en-US" dirty="0"/>
+                        <a:t>Counties Served</a:t>
+                      </a:r>
+                    </a:p>
+                  </a:txBody>
+                  <a:tcPr/>
+                </a:tc>
+                <a:tc>
+                  <a:txBody>
+                    <a:bodyPr/>
+                    <a:lstStyle/>
+                    <a:p>
+                      <a:r>
+                        <a:rPr lang="en-US" dirty="0"/>
+                        <a:t>Adolescent</a:t>
+                      </a:r>
+                    </a:p>
+                  </a:txBody>
+                  <a:tcPr/>
+                </a:tc>
+                <a:tc>
+                  <a:txBody>
+                    <a:bodyPr/>
+                    <a:lstStyle/>
+                    <a:p>
+                      <a:r>
+                        <a:rPr lang="en-US" dirty="0"/>
+                        <a:t>Buprenorphine</a:t>
+                      </a:r>
+                    </a:p>
+                  </a:txBody>
+                  <a:tcPr/>
+                </a:tc>
+                <a:tc>
+                  <a:txBody>
+                    <a:bodyPr/>
+                    <a:lstStyle/>
+                    <a:p>
+                      <a:r>
+                        <a:rPr lang="en-US" dirty="0"/>
+                        <a:t>Inpatient</a:t>
+                      </a:r>
+                    </a:p>
+                  </a:txBody>
+                  <a:tcPr/>
+                </a:tc>
+                <a:extLst>
+                  <a:ext uri="{0D108BD9-81ED-4DB2-BD59-A6C34878D82A}">
+                    <a16:rowId xmlns:a16="http://schemas.microsoft.com/office/drawing/2014/main" val="2433828523"/>
+                  </a:ext>
+                </a:extLst>
+              </a:tr>
+              <a:tr h="891183">
+                <a:tc>
+                  <a:txBody>
+                    <a:bodyPr/>
+                    <a:lstStyle/>
+                    <a:p>
+                      <a:r>
+                        <a:rPr lang="en-US" dirty="0"/>
+                        <a:t>Hospital 1</a:t>
+                      </a:r>
+                    </a:p>
+                  </a:txBody>
+                  <a:tcPr/>
+                </a:tc>
+                <a:tc>
+                  <a:txBody>
+                    <a:bodyPr/>
+                    <a:lstStyle/>
+                    <a:p>
+                      <a:r>
+                        <a:rPr lang="en-US" dirty="0"/>
+                        <a:t>Travis</a:t>
+                      </a:r>
+                    </a:p>
+                  </a:txBody>
+                  <a:tcPr/>
+                </a:tc>
+                <a:tc>
+                  <a:txBody>
+                    <a:bodyPr/>
+                    <a:lstStyle/>
+                    <a:p>
+                      <a:r>
+                        <a:rPr lang="en-US" dirty="0"/>
+                        <a:t>Yes</a:t>
+                      </a:r>
+                    </a:p>
+                  </a:txBody>
+                  <a:tcPr/>
+                </a:tc>
+                <a:tc>
+                  <a:txBody>
+                    <a:bodyPr/>
+                    <a:lstStyle/>
+                    <a:p>
+                      <a:r>
+                        <a:rPr lang="en-US" dirty="0"/>
+                        <a:t>Yes</a:t>
+                      </a:r>
+                    </a:p>
+                  </a:txBody>
+                  <a:tcPr/>
+                </a:tc>
+                <a:tc>
+                  <a:txBody>
+                    <a:bodyPr/>
+                    <a:lstStyle/>
+                    <a:p>
+                      <a:r>
+                        <a:rPr lang="en-US" dirty="0"/>
+                        <a:t>No</a:t>
+                      </a:r>
+                    </a:p>
+                  </a:txBody>
+                  <a:tcPr/>
+                </a:tc>
+                <a:extLst>
+                  <a:ext uri="{0D108BD9-81ED-4DB2-BD59-A6C34878D82A}">
+                    <a16:rowId xmlns:a16="http://schemas.microsoft.com/office/drawing/2014/main" val="2944668599"/>
+                  </a:ext>
+                </a:extLst>
+              </a:tr>
+              <a:tr h="869005">
+                <a:tc>
+                  <a:txBody>
+                    <a:bodyPr/>
+                    <a:lstStyle/>
+                    <a:p>
+                      <a:r>
+                        <a:rPr lang="en-US" dirty="0"/>
+                        <a:t>Hospital 1</a:t>
+                      </a:r>
+                    </a:p>
+                  </a:txBody>
+                  <a:tcPr/>
+                </a:tc>
+                <a:tc>
+                  <a:txBody>
+                    <a:bodyPr/>
+                    <a:lstStyle/>
+                    <a:p>
+                      <a:r>
+                        <a:rPr lang="en-US" dirty="0"/>
+                        <a:t>Hays</a:t>
+                      </a:r>
+                    </a:p>
+                  </a:txBody>
+                  <a:tcPr/>
+                </a:tc>
+                <a:tc>
+                  <a:txBody>
+                    <a:bodyPr/>
+                    <a:lstStyle/>
+                    <a:p>
+                      <a:r>
+                        <a:rPr lang="en-US" dirty="0"/>
+                        <a:t>Yes</a:t>
+                      </a:r>
+                    </a:p>
+                  </a:txBody>
+                  <a:tcPr/>
+                </a:tc>
+                <a:tc>
+                  <a:txBody>
+                    <a:bodyPr/>
+                    <a:lstStyle/>
+                    <a:p>
+                      <a:r>
+                        <a:rPr lang="en-US" dirty="0"/>
+                        <a:t>Yes</a:t>
+                      </a:r>
+                    </a:p>
+                  </a:txBody>
+                  <a:tcPr/>
+                </a:tc>
+                <a:tc>
+                  <a:txBody>
+                    <a:bodyPr/>
+                    <a:lstStyle/>
+                    <a:p>
+                      <a:r>
+                        <a:rPr lang="en-US" dirty="0"/>
+                        <a:t>No</a:t>
+                      </a:r>
+                    </a:p>
+                  </a:txBody>
+                  <a:tcPr/>
+                </a:tc>
+                <a:extLst>
+                  <a:ext uri="{0D108BD9-81ED-4DB2-BD59-A6C34878D82A}">
+                    <a16:rowId xmlns:a16="http://schemas.microsoft.com/office/drawing/2014/main" val="115744646"/>
+                  </a:ext>
+                </a:extLst>
+              </a:tr>
+            </a:tbl>
+          </a:graphicData>
+        </a:graphic>
+      </p:graphicFrame>
     </p:spTree>
     <p:extLst>
       <p:ext uri="{BB962C8B-B14F-4D97-AF65-F5344CB8AC3E}">
-        <p14:creationId xmlns:p14="http://schemas.microsoft.com/office/powerpoint/2010/main" val="2325926245"/>
+        <p14:creationId xmlns:p14="http://schemas.microsoft.com/office/powerpoint/2010/main" val="4278143157"/>
       </p:ext>
     </p:extLst>
   </p:cSld>
   <p:clrMapOvr>
     <a:masterClrMapping/>
   </p:clrMapOvr>
-  <mc:AlternateContent xmlns:mc="http://schemas.openxmlformats.org/markup-compatibility/2006" xmlns:p14="http://schemas.microsoft.com/office/powerpoint/2010/main">
-    <mc:Choice Requires="p14">
-      <p:transition spd="med" p14:dur="700">
-        <p:fade/>
-      </p:transition>
-    </mc:Choice>
-    <mc:Fallback xmlns="">
-      <p:transition spd="med">
-        <p:fade/>
-      </p:transition>
-    </mc:Fallback>
-  </mc:AlternateContent>
+</p:sld>
+</file>
+
+<file path=ppt/slides/slide9.xml><?xml version="1.0" encoding="utf-8"?>
+<p:sld xmlns:a="http://schemas.openxmlformats.org/drawingml/2006/main" xmlns:r="http://schemas.openxmlformats.org/officeDocument/2006/relationships" xmlns:p="http://schemas.openxmlformats.org/presentationml/2006/main">
+  <p:cSld>
+    <p:spTree>
+      <p:nvGrpSpPr>
+        <p:cNvPr id="1" name=""/>
+        <p:cNvGrpSpPr/>
+        <p:nvPr/>
+      </p:nvGrpSpPr>
+      <p:grpSpPr>
+        <a:xfrm>
+          <a:off x="0" y="0"/>
+          <a:ext cx="0" cy="0"/>
+          <a:chOff x="0" y="0"/>
+          <a:chExt cx="0" cy="0"/>
+        </a:xfrm>
+      </p:grpSpPr>
+      <p:sp>
+        <p:nvSpPr>
+          <p:cNvPr id="2" name="Title 1">
+            <a:extLst>
+              <a:ext uri="{FF2B5EF4-FFF2-40B4-BE49-F238E27FC236}">
+                <a16:creationId xmlns:a16="http://schemas.microsoft.com/office/drawing/2014/main" id="{64755B1E-E592-904E-A434-3A500FA8A99C}"/>
+              </a:ext>
+            </a:extLst>
+          </p:cNvPr>
+          <p:cNvSpPr>
+            <a:spLocks noGrp="1"/>
+          </p:cNvSpPr>
+          <p:nvPr>
+            <p:ph type="title"/>
+          </p:nvPr>
+        </p:nvSpPr>
+        <p:spPr/>
+        <p:txBody>
+          <a:bodyPr/>
+          <a:lstStyle/>
+          <a:p>
+            <a:r>
+              <a:rPr lang="en-US" dirty="0"/>
+              <a:t>RECAP</a:t>
+            </a:r>
+          </a:p>
+        </p:txBody>
+      </p:sp>
+      <p:sp>
+        <p:nvSpPr>
+          <p:cNvPr id="3" name="Text Placeholder 2">
+            <a:extLst>
+              <a:ext uri="{FF2B5EF4-FFF2-40B4-BE49-F238E27FC236}">
+                <a16:creationId xmlns:a16="http://schemas.microsoft.com/office/drawing/2014/main" id="{22B6F73D-06FD-2E6D-0D5B-9D7A5DC52425}"/>
+              </a:ext>
+            </a:extLst>
+          </p:cNvPr>
+          <p:cNvSpPr>
+            <a:spLocks noGrp="1"/>
+          </p:cNvSpPr>
+          <p:nvPr>
+            <p:ph type="body" sz="quarter" idx="10"/>
+          </p:nvPr>
+        </p:nvSpPr>
+        <p:spPr/>
+        <p:txBody>
+          <a:bodyPr/>
+          <a:lstStyle/>
+          <a:p>
+            <a:pPr marL="457200" indent="-457200">
+              <a:buFont typeface="Arial" panose="020B0604020202020204" pitchFamily="34" charset="0"/>
+              <a:buChar char="•"/>
+            </a:pPr>
+            <a:r>
+              <a:rPr lang="en-US" sz="4000" dirty="0"/>
+              <a:t>In this video, we outlined the goals of our resource dashboard.  We also identified data sources for phase 1 (data collection), sketched out a generic design for phase 2 (dashboard design), and planned the modifications we will need to make to the data in phase 3 (data cleaning)</a:t>
+            </a:r>
+          </a:p>
+        </p:txBody>
+      </p:sp>
+    </p:spTree>
+    <p:extLst>
+      <p:ext uri="{BB962C8B-B14F-4D97-AF65-F5344CB8AC3E}">
+        <p14:creationId xmlns:p14="http://schemas.microsoft.com/office/powerpoint/2010/main" val="3017035207"/>
+      </p:ext>
+    </p:extLst>
+  </p:cSld>
+  <p:clrMapOvr>
+    <a:masterClrMapping/>
+  </p:clrMapOvr>
 </p:sld>
 </file>
 

--- a/Formatted Slides/Module0_Video2.pptx
+++ b/Formatted Slides/Module0_Video2.pptx
@@ -235,7 +235,7 @@
           <a:p>
             <a:fld id="{A1994904-53C7-FE4A-A4F3-9371B9AA3FA4}" type="datetimeFigureOut">
               <a:rPr lang="en-US" smtClean="0"/>
-              <a:t>7/10/2023</a:t>
+              <a:t>7/11/2023</a:t>
             </a:fld>
             <a:endParaRPr lang="en-US"/>
           </a:p>
@@ -4456,7 +4456,7 @@
         </p:nvSpPr>
         <p:spPr>
           <a:xfrm>
-            <a:off x="11326437" y="3371966"/>
+            <a:off x="11140438" y="3371966"/>
             <a:ext cx="2103120" cy="2103120"/>
           </a:xfrm>
           <a:prstGeom prst="ellipse">
@@ -5010,7 +5010,7 @@
         </p:blipFill>
         <p:spPr>
           <a:xfrm>
-            <a:off x="11699867" y="3745396"/>
+            <a:off x="11513868" y="3745395"/>
             <a:ext cx="1356260" cy="1356260"/>
           </a:xfrm>
           <a:prstGeom prst="rect">
